--- a/01_Kontroleri/AngularJS_02_kontroleri.pptx
+++ b/01_Kontroleri/AngularJS_02_kontroleri.pptx
@@ -10,25 +10,28 @@
     <p:sldId id="275" r:id="rId4"/>
     <p:sldId id="272" r:id="rId5"/>
     <p:sldId id="273" r:id="rId6"/>
-    <p:sldId id="258" r:id="rId7"/>
-    <p:sldId id="259" r:id="rId8"/>
-    <p:sldId id="265" r:id="rId9"/>
-    <p:sldId id="266" r:id="rId10"/>
-    <p:sldId id="267" r:id="rId11"/>
-    <p:sldId id="284" r:id="rId12"/>
-    <p:sldId id="282" r:id="rId13"/>
+    <p:sldId id="285" r:id="rId7"/>
+    <p:sldId id="258" r:id="rId8"/>
+    <p:sldId id="259" r:id="rId9"/>
+    <p:sldId id="265" r:id="rId10"/>
+    <p:sldId id="266" r:id="rId11"/>
+    <p:sldId id="267" r:id="rId12"/>
+    <p:sldId id="284" r:id="rId13"/>
     <p:sldId id="283" r:id="rId14"/>
     <p:sldId id="264" r:id="rId15"/>
     <p:sldId id="260" r:id="rId16"/>
     <p:sldId id="261" r:id="rId17"/>
-    <p:sldId id="268" r:id="rId18"/>
-    <p:sldId id="276" r:id="rId19"/>
-    <p:sldId id="277" r:id="rId20"/>
-    <p:sldId id="278" r:id="rId21"/>
-    <p:sldId id="279" r:id="rId22"/>
-    <p:sldId id="280" r:id="rId23"/>
-    <p:sldId id="281" r:id="rId24"/>
-    <p:sldId id="269" r:id="rId25"/>
+    <p:sldId id="288" r:id="rId18"/>
+    <p:sldId id="286" r:id="rId19"/>
+    <p:sldId id="287" r:id="rId20"/>
+    <p:sldId id="268" r:id="rId21"/>
+    <p:sldId id="276" r:id="rId22"/>
+    <p:sldId id="277" r:id="rId23"/>
+    <p:sldId id="278" r:id="rId24"/>
+    <p:sldId id="279" r:id="rId25"/>
+    <p:sldId id="280" r:id="rId26"/>
+    <p:sldId id="281" r:id="rId27"/>
+    <p:sldId id="269" r:id="rId28"/>
   </p:sldIdLst>
   <p:sldSz cx="9144000" cy="6858000" type="screen4x3"/>
   <p:notesSz cx="6858000" cy="9144000"/>
@@ -311,7 +314,7 @@
           <a:p>
             <a:fld id="{2986D4BE-532F-443B-99AA-016C229502D5}" type="datetimeFigureOut">
               <a:rPr lang="en-GB" smtClean="0"/>
-              <a:t>07/04/2016</a:t>
+              <a:t>20/04/2016</a:t>
             </a:fld>
             <a:endParaRPr lang="en-GB"/>
           </a:p>
@@ -481,7 +484,7 @@
           <a:p>
             <a:fld id="{2986D4BE-532F-443B-99AA-016C229502D5}" type="datetimeFigureOut">
               <a:rPr lang="en-GB" smtClean="0"/>
-              <a:t>07/04/2016</a:t>
+              <a:t>20/04/2016</a:t>
             </a:fld>
             <a:endParaRPr lang="en-GB"/>
           </a:p>
@@ -661,7 +664,7 @@
           <a:p>
             <a:fld id="{2986D4BE-532F-443B-99AA-016C229502D5}" type="datetimeFigureOut">
               <a:rPr lang="en-GB" smtClean="0"/>
-              <a:t>07/04/2016</a:t>
+              <a:t>20/04/2016</a:t>
             </a:fld>
             <a:endParaRPr lang="en-GB"/>
           </a:p>
@@ -831,7 +834,7 @@
           <a:p>
             <a:fld id="{2986D4BE-532F-443B-99AA-016C229502D5}" type="datetimeFigureOut">
               <a:rPr lang="en-GB" smtClean="0"/>
-              <a:t>07/04/2016</a:t>
+              <a:t>20/04/2016</a:t>
             </a:fld>
             <a:endParaRPr lang="en-GB"/>
           </a:p>
@@ -1077,7 +1080,7 @@
           <a:p>
             <a:fld id="{2986D4BE-532F-443B-99AA-016C229502D5}" type="datetimeFigureOut">
               <a:rPr lang="en-GB" smtClean="0"/>
-              <a:t>07/04/2016</a:t>
+              <a:t>20/04/2016</a:t>
             </a:fld>
             <a:endParaRPr lang="en-GB"/>
           </a:p>
@@ -1365,7 +1368,7 @@
           <a:p>
             <a:fld id="{2986D4BE-532F-443B-99AA-016C229502D5}" type="datetimeFigureOut">
               <a:rPr lang="en-GB" smtClean="0"/>
-              <a:t>07/04/2016</a:t>
+              <a:t>20/04/2016</a:t>
             </a:fld>
             <a:endParaRPr lang="en-GB"/>
           </a:p>
@@ -1787,7 +1790,7 @@
           <a:p>
             <a:fld id="{2986D4BE-532F-443B-99AA-016C229502D5}" type="datetimeFigureOut">
               <a:rPr lang="en-GB" smtClean="0"/>
-              <a:t>07/04/2016</a:t>
+              <a:t>20/04/2016</a:t>
             </a:fld>
             <a:endParaRPr lang="en-GB"/>
           </a:p>
@@ -1905,7 +1908,7 @@
           <a:p>
             <a:fld id="{2986D4BE-532F-443B-99AA-016C229502D5}" type="datetimeFigureOut">
               <a:rPr lang="en-GB" smtClean="0"/>
-              <a:t>07/04/2016</a:t>
+              <a:t>20/04/2016</a:t>
             </a:fld>
             <a:endParaRPr lang="en-GB"/>
           </a:p>
@@ -2000,7 +2003,7 @@
           <a:p>
             <a:fld id="{2986D4BE-532F-443B-99AA-016C229502D5}" type="datetimeFigureOut">
               <a:rPr lang="en-GB" smtClean="0"/>
-              <a:t>07/04/2016</a:t>
+              <a:t>20/04/2016</a:t>
             </a:fld>
             <a:endParaRPr lang="en-GB"/>
           </a:p>
@@ -2277,7 +2280,7 @@
           <a:p>
             <a:fld id="{2986D4BE-532F-443B-99AA-016C229502D5}" type="datetimeFigureOut">
               <a:rPr lang="en-GB" smtClean="0"/>
-              <a:t>07/04/2016</a:t>
+              <a:t>20/04/2016</a:t>
             </a:fld>
             <a:endParaRPr lang="en-GB"/>
           </a:p>
@@ -2530,7 +2533,7 @@
           <a:p>
             <a:fld id="{2986D4BE-532F-443B-99AA-016C229502D5}" type="datetimeFigureOut">
               <a:rPr lang="en-GB" smtClean="0"/>
-              <a:t>07/04/2016</a:t>
+              <a:t>20/04/2016</a:t>
             </a:fld>
             <a:endParaRPr lang="en-GB"/>
           </a:p>
@@ -2743,7 +2746,7 @@
           <a:p>
             <a:fld id="{2986D4BE-532F-443B-99AA-016C229502D5}" type="datetimeFigureOut">
               <a:rPr lang="en-GB" smtClean="0"/>
-              <a:t>07/04/2016</a:t>
+              <a:t>20/04/2016</a:t>
             </a:fld>
             <a:endParaRPr lang="en-GB"/>
           </a:p>
@@ -3217,6 +3220,698 @@
         </p:nvSpPr>
         <p:spPr/>
         <p:txBody>
+          <a:bodyPr/>
+          <a:lstStyle/>
+          <a:p>
+            <a:r>
+              <a:rPr lang="sr-Latn-RS" dirty="0" smtClean="0"/>
+              <a:t>Više kontrolera</a:t>
+            </a:r>
+            <a:endParaRPr lang="en-GB" dirty="0"/>
+          </a:p>
+        </p:txBody>
+      </p:sp>
+      <p:sp>
+        <p:nvSpPr>
+          <p:cNvPr id="3" name="Content Placeholder 2"/>
+          <p:cNvSpPr>
+            <a:spLocks noGrp="1"/>
+          </p:cNvSpPr>
+          <p:nvPr>
+            <p:ph idx="1"/>
+          </p:nvPr>
+        </p:nvSpPr>
+        <p:spPr>
+          <a:xfrm>
+            <a:off x="457200" y="1600201"/>
+            <a:ext cx="8229600" cy="676672"/>
+          </a:xfrm>
+        </p:spPr>
+        <p:txBody>
+          <a:bodyPr/>
+          <a:lstStyle/>
+          <a:p>
+            <a:r>
+              <a:rPr lang="sr-Latn-RS" dirty="0" smtClean="0"/>
+              <a:t>Tipična situacija u razvoju aplikacija</a:t>
+            </a:r>
+          </a:p>
+          <a:p>
+            <a:endParaRPr lang="en-GB" dirty="0"/>
+          </a:p>
+        </p:txBody>
+      </p:sp>
+      <p:sp>
+        <p:nvSpPr>
+          <p:cNvPr id="4" name="Rectangle 3"/>
+          <p:cNvSpPr/>
+          <p:nvPr/>
+        </p:nvSpPr>
+        <p:spPr>
+          <a:xfrm>
+            <a:off x="35496" y="3388345"/>
+            <a:ext cx="4680520" cy="2123658"/>
+          </a:xfrm>
+          <a:prstGeom prst="rect">
+            <a:avLst/>
+          </a:prstGeom>
+        </p:spPr>
+        <p:txBody>
+          <a:bodyPr wrap="square">
+            <a:spAutoFit/>
+          </a:bodyPr>
+          <a:lstStyle/>
+          <a:p>
+            <a:r>
+              <a:rPr lang="sr-Latn-RS" sz="1200" dirty="0" smtClean="0">
+                <a:latin typeface="Courier New" panose="02070309020205020404" pitchFamily="49" charset="0"/>
+                <a:cs typeface="Courier New" panose="02070309020205020404" pitchFamily="49" charset="0"/>
+              </a:rPr>
+              <a:t>...</a:t>
+            </a:r>
+          </a:p>
+          <a:p>
+            <a:r>
+              <a:rPr lang="en-GB" sz="1200" dirty="0" err="1" smtClean="0">
+                <a:latin typeface="Courier New" panose="02070309020205020404" pitchFamily="49" charset="0"/>
+                <a:cs typeface="Courier New" panose="02070309020205020404" pitchFamily="49" charset="0"/>
+              </a:rPr>
+              <a:t>var</a:t>
+            </a:r>
+            <a:r>
+              <a:rPr lang="en-GB" sz="1200" dirty="0" smtClean="0">
+                <a:latin typeface="Courier New" panose="02070309020205020404" pitchFamily="49" charset="0"/>
+                <a:cs typeface="Courier New" panose="02070309020205020404" pitchFamily="49" charset="0"/>
+              </a:rPr>
+              <a:t> </a:t>
+            </a:r>
+            <a:r>
+              <a:rPr lang="en-GB" sz="1200" dirty="0" err="1">
+                <a:latin typeface="Courier New" panose="02070309020205020404" pitchFamily="49" charset="0"/>
+                <a:cs typeface="Courier New" panose="02070309020205020404" pitchFamily="49" charset="0"/>
+              </a:rPr>
+              <a:t>helloController</a:t>
+            </a:r>
+            <a:r>
+              <a:rPr lang="en-GB" sz="1200" dirty="0">
+                <a:latin typeface="Courier New" panose="02070309020205020404" pitchFamily="49" charset="0"/>
+                <a:cs typeface="Courier New" panose="02070309020205020404" pitchFamily="49" charset="0"/>
+              </a:rPr>
+              <a:t> = function ($scope) {</a:t>
+            </a:r>
+          </a:p>
+          <a:p>
+            <a:r>
+              <a:rPr lang="en-GB" sz="1200" dirty="0" smtClean="0">
+                <a:latin typeface="Courier New" panose="02070309020205020404" pitchFamily="49" charset="0"/>
+                <a:cs typeface="Courier New" panose="02070309020205020404" pitchFamily="49" charset="0"/>
+              </a:rPr>
+              <a:t>    </a:t>
+            </a:r>
+            <a:r>
+              <a:rPr lang="sr-Latn-RS" sz="1200" dirty="0" smtClean="0">
+                <a:latin typeface="Courier New" panose="02070309020205020404" pitchFamily="49" charset="0"/>
+                <a:cs typeface="Courier New" panose="02070309020205020404" pitchFamily="49" charset="0"/>
+              </a:rPr>
+              <a:t>...</a:t>
+            </a:r>
+            <a:endParaRPr lang="en-GB" sz="1200" dirty="0">
+              <a:latin typeface="Courier New" panose="02070309020205020404" pitchFamily="49" charset="0"/>
+              <a:cs typeface="Courier New" panose="02070309020205020404" pitchFamily="49" charset="0"/>
+            </a:endParaRPr>
+          </a:p>
+          <a:p>
+            <a:r>
+              <a:rPr lang="en-GB" sz="1200" dirty="0" smtClean="0">
+                <a:latin typeface="Courier New" panose="02070309020205020404" pitchFamily="49" charset="0"/>
+                <a:cs typeface="Courier New" panose="02070309020205020404" pitchFamily="49" charset="0"/>
+              </a:rPr>
+              <a:t>  }</a:t>
+            </a:r>
+            <a:endParaRPr lang="en-GB" sz="1200" dirty="0">
+              <a:latin typeface="Courier New" panose="02070309020205020404" pitchFamily="49" charset="0"/>
+              <a:cs typeface="Courier New" panose="02070309020205020404" pitchFamily="49" charset="0"/>
+            </a:endParaRPr>
+          </a:p>
+          <a:p>
+            <a:r>
+              <a:rPr lang="en-GB" sz="1200" dirty="0" err="1" smtClean="0">
+                <a:latin typeface="Courier New" panose="02070309020205020404" pitchFamily="49" charset="0"/>
+                <a:cs typeface="Courier New" panose="02070309020205020404" pitchFamily="49" charset="0"/>
+              </a:rPr>
+              <a:t>var</a:t>
+            </a:r>
+            <a:r>
+              <a:rPr lang="en-GB" sz="1200" dirty="0" smtClean="0">
+                <a:latin typeface="Courier New" panose="02070309020205020404" pitchFamily="49" charset="0"/>
+                <a:cs typeface="Courier New" panose="02070309020205020404" pitchFamily="49" charset="0"/>
+              </a:rPr>
+              <a:t> </a:t>
+            </a:r>
+            <a:r>
+              <a:rPr lang="en-GB" sz="1200" dirty="0" err="1">
+                <a:latin typeface="Courier New" panose="02070309020205020404" pitchFamily="49" charset="0"/>
+                <a:cs typeface="Courier New" panose="02070309020205020404" pitchFamily="49" charset="0"/>
+              </a:rPr>
+              <a:t>weatherController</a:t>
+            </a:r>
+            <a:r>
+              <a:rPr lang="en-GB" sz="1200" dirty="0">
+                <a:latin typeface="Courier New" panose="02070309020205020404" pitchFamily="49" charset="0"/>
+                <a:cs typeface="Courier New" panose="02070309020205020404" pitchFamily="49" charset="0"/>
+              </a:rPr>
+              <a:t> = function ($scope) {</a:t>
+            </a:r>
+          </a:p>
+          <a:p>
+            <a:r>
+              <a:rPr lang="en-GB" sz="1200" dirty="0" smtClean="0">
+                <a:latin typeface="Courier New" panose="02070309020205020404" pitchFamily="49" charset="0"/>
+                <a:cs typeface="Courier New" panose="02070309020205020404" pitchFamily="49" charset="0"/>
+              </a:rPr>
+              <a:t>    </a:t>
+            </a:r>
+            <a:r>
+              <a:rPr lang="sr-Latn-RS" sz="1200" dirty="0" smtClean="0">
+                <a:latin typeface="Courier New" panose="02070309020205020404" pitchFamily="49" charset="0"/>
+                <a:cs typeface="Courier New" panose="02070309020205020404" pitchFamily="49" charset="0"/>
+              </a:rPr>
+              <a:t>...</a:t>
+            </a:r>
+            <a:endParaRPr lang="en-GB" sz="1200" dirty="0">
+              <a:latin typeface="Courier New" panose="02070309020205020404" pitchFamily="49" charset="0"/>
+              <a:cs typeface="Courier New" panose="02070309020205020404" pitchFamily="49" charset="0"/>
+            </a:endParaRPr>
+          </a:p>
+          <a:p>
+            <a:r>
+              <a:rPr lang="en-GB" sz="1200" dirty="0" smtClean="0">
+                <a:latin typeface="Courier New" panose="02070309020205020404" pitchFamily="49" charset="0"/>
+                <a:cs typeface="Courier New" panose="02070309020205020404" pitchFamily="49" charset="0"/>
+              </a:rPr>
+              <a:t>  }</a:t>
+            </a:r>
+            <a:endParaRPr lang="en-GB" sz="1200" dirty="0">
+              <a:latin typeface="Courier New" panose="02070309020205020404" pitchFamily="49" charset="0"/>
+              <a:cs typeface="Courier New" panose="02070309020205020404" pitchFamily="49" charset="0"/>
+            </a:endParaRPr>
+          </a:p>
+          <a:p>
+            <a:r>
+              <a:rPr lang="en-GB" sz="1200" dirty="0" err="1" smtClean="0">
+                <a:latin typeface="Courier New" panose="02070309020205020404" pitchFamily="49" charset="0"/>
+                <a:cs typeface="Courier New" panose="02070309020205020404" pitchFamily="49" charset="0"/>
+              </a:rPr>
+              <a:t>var</a:t>
+            </a:r>
+            <a:r>
+              <a:rPr lang="en-GB" sz="1200" dirty="0" smtClean="0">
+                <a:latin typeface="Courier New" panose="02070309020205020404" pitchFamily="49" charset="0"/>
+                <a:cs typeface="Courier New" panose="02070309020205020404" pitchFamily="49" charset="0"/>
+              </a:rPr>
+              <a:t> </a:t>
+            </a:r>
+            <a:r>
+              <a:rPr lang="en-GB" sz="1200" dirty="0">
+                <a:latin typeface="Courier New" panose="02070309020205020404" pitchFamily="49" charset="0"/>
+                <a:cs typeface="Courier New" panose="02070309020205020404" pitchFamily="49" charset="0"/>
+              </a:rPr>
+              <a:t>app = </a:t>
+            </a:r>
+            <a:r>
+              <a:rPr lang="en-GB" sz="1200" dirty="0" err="1">
+                <a:latin typeface="Courier New" panose="02070309020205020404" pitchFamily="49" charset="0"/>
+                <a:cs typeface="Courier New" panose="02070309020205020404" pitchFamily="49" charset="0"/>
+              </a:rPr>
+              <a:t>angular.module</a:t>
+            </a:r>
+            <a:r>
+              <a:rPr lang="en-GB" sz="1200" dirty="0">
+                <a:latin typeface="Courier New" panose="02070309020205020404" pitchFamily="49" charset="0"/>
+                <a:cs typeface="Courier New" panose="02070309020205020404" pitchFamily="49" charset="0"/>
+              </a:rPr>
+              <a:t>("app", []);</a:t>
+            </a:r>
+          </a:p>
+          <a:p>
+            <a:r>
+              <a:rPr lang="en-GB" sz="1200" b="1" dirty="0" err="1" smtClean="0">
+                <a:latin typeface="Courier New" panose="02070309020205020404" pitchFamily="49" charset="0"/>
+                <a:cs typeface="Courier New" panose="02070309020205020404" pitchFamily="49" charset="0"/>
+              </a:rPr>
+              <a:t>app.controller</a:t>
+            </a:r>
+            <a:r>
+              <a:rPr lang="en-GB" sz="1200" b="1" dirty="0">
+                <a:latin typeface="Courier New" panose="02070309020205020404" pitchFamily="49" charset="0"/>
+                <a:cs typeface="Courier New" panose="02070309020205020404" pitchFamily="49" charset="0"/>
+              </a:rPr>
+              <a:t>("</a:t>
+            </a:r>
+            <a:r>
+              <a:rPr lang="en-GB" sz="1200" b="1" dirty="0" err="1">
+                <a:latin typeface="Courier New" panose="02070309020205020404" pitchFamily="49" charset="0"/>
+                <a:cs typeface="Courier New" panose="02070309020205020404" pitchFamily="49" charset="0"/>
+              </a:rPr>
+              <a:t>helloCtrl</a:t>
+            </a:r>
+            <a:r>
+              <a:rPr lang="en-GB" sz="1200" b="1" dirty="0">
+                <a:latin typeface="Courier New" panose="02070309020205020404" pitchFamily="49" charset="0"/>
+                <a:cs typeface="Courier New" panose="02070309020205020404" pitchFamily="49" charset="0"/>
+              </a:rPr>
+              <a:t>", </a:t>
+            </a:r>
+            <a:r>
+              <a:rPr lang="en-GB" sz="1200" b="1" dirty="0" err="1">
+                <a:latin typeface="Courier New" panose="02070309020205020404" pitchFamily="49" charset="0"/>
+                <a:cs typeface="Courier New" panose="02070309020205020404" pitchFamily="49" charset="0"/>
+              </a:rPr>
+              <a:t>helloController</a:t>
+            </a:r>
+            <a:r>
+              <a:rPr lang="en-GB" sz="1200" b="1" dirty="0">
+                <a:latin typeface="Courier New" panose="02070309020205020404" pitchFamily="49" charset="0"/>
+                <a:cs typeface="Courier New" panose="02070309020205020404" pitchFamily="49" charset="0"/>
+              </a:rPr>
+              <a:t>);</a:t>
+            </a:r>
+          </a:p>
+          <a:p>
+            <a:r>
+              <a:rPr lang="en-GB" sz="1200" b="1" dirty="0" err="1" smtClean="0">
+                <a:latin typeface="Courier New" panose="02070309020205020404" pitchFamily="49" charset="0"/>
+                <a:cs typeface="Courier New" panose="02070309020205020404" pitchFamily="49" charset="0"/>
+              </a:rPr>
+              <a:t>app.controller</a:t>
+            </a:r>
+            <a:r>
+              <a:rPr lang="en-GB" sz="1200" b="1" dirty="0">
+                <a:latin typeface="Courier New" panose="02070309020205020404" pitchFamily="49" charset="0"/>
+                <a:cs typeface="Courier New" panose="02070309020205020404" pitchFamily="49" charset="0"/>
+              </a:rPr>
+              <a:t>("</a:t>
+            </a:r>
+            <a:r>
+              <a:rPr lang="en-GB" sz="1200" b="1" dirty="0" err="1">
+                <a:latin typeface="Courier New" panose="02070309020205020404" pitchFamily="49" charset="0"/>
+                <a:cs typeface="Courier New" panose="02070309020205020404" pitchFamily="49" charset="0"/>
+              </a:rPr>
+              <a:t>weatherCtrl</a:t>
+            </a:r>
+            <a:r>
+              <a:rPr lang="en-GB" sz="1200" b="1" dirty="0" smtClean="0">
+                <a:latin typeface="Courier New" panose="02070309020205020404" pitchFamily="49" charset="0"/>
+                <a:cs typeface="Courier New" panose="02070309020205020404" pitchFamily="49" charset="0"/>
+              </a:rPr>
+              <a:t>",</a:t>
+            </a:r>
+            <a:r>
+              <a:rPr lang="en-GB" sz="1200" b="1" dirty="0" err="1" smtClean="0">
+                <a:latin typeface="Courier New" panose="02070309020205020404" pitchFamily="49" charset="0"/>
+                <a:cs typeface="Courier New" panose="02070309020205020404" pitchFamily="49" charset="0"/>
+              </a:rPr>
+              <a:t>weatherController</a:t>
+            </a:r>
+            <a:r>
+              <a:rPr lang="en-GB" sz="1200" b="1" dirty="0" smtClean="0">
+                <a:latin typeface="Courier New" panose="02070309020205020404" pitchFamily="49" charset="0"/>
+                <a:cs typeface="Courier New" panose="02070309020205020404" pitchFamily="49" charset="0"/>
+              </a:rPr>
+              <a:t>);</a:t>
+            </a:r>
+            <a:endParaRPr lang="sr-Latn-RS" sz="1200" b="1" dirty="0" smtClean="0">
+              <a:latin typeface="Courier New" panose="02070309020205020404" pitchFamily="49" charset="0"/>
+              <a:cs typeface="Courier New" panose="02070309020205020404" pitchFamily="49" charset="0"/>
+            </a:endParaRPr>
+          </a:p>
+          <a:p>
+            <a:r>
+              <a:rPr lang="sr-Latn-RS" sz="1200" b="1" dirty="0" smtClean="0">
+                <a:latin typeface="Courier New" panose="02070309020205020404" pitchFamily="49" charset="0"/>
+                <a:cs typeface="Courier New" panose="02070309020205020404" pitchFamily="49" charset="0"/>
+              </a:rPr>
+              <a:t>...</a:t>
+            </a:r>
+            <a:endParaRPr lang="en-GB" sz="1200" b="1" dirty="0">
+              <a:latin typeface="Courier New" panose="02070309020205020404" pitchFamily="49" charset="0"/>
+              <a:cs typeface="Courier New" panose="02070309020205020404" pitchFamily="49" charset="0"/>
+            </a:endParaRPr>
+          </a:p>
+        </p:txBody>
+      </p:sp>
+      <p:sp>
+        <p:nvSpPr>
+          <p:cNvPr id="5" name="Rectangle 4"/>
+          <p:cNvSpPr/>
+          <p:nvPr/>
+        </p:nvSpPr>
+        <p:spPr>
+          <a:xfrm>
+            <a:off x="4932040" y="3342471"/>
+            <a:ext cx="4572000" cy="2246769"/>
+          </a:xfrm>
+          <a:prstGeom prst="rect">
+            <a:avLst/>
+          </a:prstGeom>
+        </p:spPr>
+        <p:txBody>
+          <a:bodyPr>
+            <a:spAutoFit/>
+          </a:bodyPr>
+          <a:lstStyle/>
+          <a:p>
+            <a:r>
+              <a:rPr lang="sr-Latn-RS" sz="1400" dirty="0" smtClean="0">
+                <a:latin typeface="Courier New" panose="02070309020205020404" pitchFamily="49" charset="0"/>
+                <a:cs typeface="Courier New" panose="02070309020205020404" pitchFamily="49" charset="0"/>
+              </a:rPr>
+              <a:t>...</a:t>
+            </a:r>
+          </a:p>
+          <a:p>
+            <a:r>
+              <a:rPr lang="en-GB" sz="1400" dirty="0" smtClean="0">
+                <a:latin typeface="Courier New" panose="02070309020205020404" pitchFamily="49" charset="0"/>
+                <a:cs typeface="Courier New" panose="02070309020205020404" pitchFamily="49" charset="0"/>
+              </a:rPr>
+              <a:t>&lt;</a:t>
+            </a:r>
+            <a:r>
+              <a:rPr lang="en-GB" sz="1400" dirty="0">
+                <a:latin typeface="Courier New" panose="02070309020205020404" pitchFamily="49" charset="0"/>
+                <a:cs typeface="Courier New" panose="02070309020205020404" pitchFamily="49" charset="0"/>
+              </a:rPr>
+              <a:t>body ng-app="app"&gt;</a:t>
+            </a:r>
+          </a:p>
+          <a:p>
+            <a:r>
+              <a:rPr lang="en-GB" sz="1400" dirty="0" smtClean="0">
+                <a:latin typeface="Courier New" panose="02070309020205020404" pitchFamily="49" charset="0"/>
+                <a:cs typeface="Courier New" panose="02070309020205020404" pitchFamily="49" charset="0"/>
+              </a:rPr>
+              <a:t>  &lt;</a:t>
+            </a:r>
+            <a:r>
+              <a:rPr lang="en-GB" sz="1400" dirty="0">
+                <a:latin typeface="Courier New" panose="02070309020205020404" pitchFamily="49" charset="0"/>
+                <a:cs typeface="Courier New" panose="02070309020205020404" pitchFamily="49" charset="0"/>
+              </a:rPr>
+              <a:t>h1 </a:t>
+            </a:r>
+            <a:r>
+              <a:rPr lang="en-GB" sz="1400" b="1" dirty="0">
+                <a:latin typeface="Courier New" panose="02070309020205020404" pitchFamily="49" charset="0"/>
+                <a:cs typeface="Courier New" panose="02070309020205020404" pitchFamily="49" charset="0"/>
+              </a:rPr>
+              <a:t>ng-controller="</a:t>
+            </a:r>
+            <a:r>
+              <a:rPr lang="en-GB" sz="1400" b="1" dirty="0" err="1">
+                <a:latin typeface="Courier New" panose="02070309020205020404" pitchFamily="49" charset="0"/>
+                <a:cs typeface="Courier New" panose="02070309020205020404" pitchFamily="49" charset="0"/>
+              </a:rPr>
+              <a:t>helloCtrl</a:t>
+            </a:r>
+            <a:r>
+              <a:rPr lang="en-GB" sz="1400" b="1" dirty="0">
+                <a:latin typeface="Courier New" panose="02070309020205020404" pitchFamily="49" charset="0"/>
+                <a:cs typeface="Courier New" panose="02070309020205020404" pitchFamily="49" charset="0"/>
+              </a:rPr>
+              <a:t>"</a:t>
+            </a:r>
+            <a:r>
+              <a:rPr lang="en-GB" sz="1400" dirty="0">
+                <a:latin typeface="Courier New" panose="02070309020205020404" pitchFamily="49" charset="0"/>
+                <a:cs typeface="Courier New" panose="02070309020205020404" pitchFamily="49" charset="0"/>
+              </a:rPr>
+              <a:t>&gt;</a:t>
+            </a:r>
+          </a:p>
+          <a:p>
+            <a:r>
+              <a:rPr lang="en-GB" sz="1400" dirty="0" smtClean="0">
+                <a:latin typeface="Courier New" panose="02070309020205020404" pitchFamily="49" charset="0"/>
+                <a:cs typeface="Courier New" panose="02070309020205020404" pitchFamily="49" charset="0"/>
+              </a:rPr>
+              <a:t>    message</a:t>
+            </a:r>
+            <a:r>
+              <a:rPr lang="en-GB" sz="1400" dirty="0">
+                <a:latin typeface="Courier New" panose="02070309020205020404" pitchFamily="49" charset="0"/>
+                <a:cs typeface="Courier New" panose="02070309020205020404" pitchFamily="49" charset="0"/>
+              </a:rPr>
+              <a:t>: </a:t>
+            </a:r>
+            <a:r>
+              <a:rPr lang="en-GB" sz="1400" b="1" dirty="0">
+                <a:latin typeface="Courier New" panose="02070309020205020404" pitchFamily="49" charset="0"/>
+                <a:cs typeface="Courier New" panose="02070309020205020404" pitchFamily="49" charset="0"/>
+              </a:rPr>
+              <a:t>{{message}}</a:t>
+            </a:r>
+            <a:r>
+              <a:rPr lang="en-GB" sz="1400" dirty="0">
+                <a:latin typeface="Courier New" panose="02070309020205020404" pitchFamily="49" charset="0"/>
+                <a:cs typeface="Courier New" panose="02070309020205020404" pitchFamily="49" charset="0"/>
+              </a:rPr>
+              <a:t> &lt;</a:t>
+            </a:r>
+            <a:r>
+              <a:rPr lang="en-GB" sz="1400" dirty="0" err="1">
+                <a:latin typeface="Courier New" panose="02070309020205020404" pitchFamily="49" charset="0"/>
+                <a:cs typeface="Courier New" panose="02070309020205020404" pitchFamily="49" charset="0"/>
+              </a:rPr>
+              <a:t>br</a:t>
+            </a:r>
+            <a:r>
+              <a:rPr lang="en-GB" sz="1400" dirty="0">
+                <a:latin typeface="Courier New" panose="02070309020205020404" pitchFamily="49" charset="0"/>
+                <a:cs typeface="Courier New" panose="02070309020205020404" pitchFamily="49" charset="0"/>
+              </a:rPr>
+              <a:t>/&gt;</a:t>
+            </a:r>
+          </a:p>
+          <a:p>
+            <a:r>
+              <a:rPr lang="en-GB" sz="1400" dirty="0" smtClean="0">
+                <a:latin typeface="Courier New" panose="02070309020205020404" pitchFamily="49" charset="0"/>
+                <a:cs typeface="Courier New" panose="02070309020205020404" pitchFamily="49" charset="0"/>
+              </a:rPr>
+              <a:t>  &lt;/</a:t>
+            </a:r>
+            <a:r>
+              <a:rPr lang="en-GB" sz="1400" dirty="0">
+                <a:latin typeface="Courier New" panose="02070309020205020404" pitchFamily="49" charset="0"/>
+                <a:cs typeface="Courier New" panose="02070309020205020404" pitchFamily="49" charset="0"/>
+              </a:rPr>
+              <a:t>h1&gt;</a:t>
+            </a:r>
+          </a:p>
+          <a:p>
+            <a:r>
+              <a:rPr lang="en-GB" sz="1400" dirty="0" smtClean="0">
+                <a:latin typeface="Courier New" panose="02070309020205020404" pitchFamily="49" charset="0"/>
+                <a:cs typeface="Courier New" panose="02070309020205020404" pitchFamily="49" charset="0"/>
+              </a:rPr>
+              <a:t>  &lt;</a:t>
+            </a:r>
+            <a:r>
+              <a:rPr lang="en-GB" sz="1400" dirty="0">
+                <a:latin typeface="Courier New" panose="02070309020205020404" pitchFamily="49" charset="0"/>
+                <a:cs typeface="Courier New" panose="02070309020205020404" pitchFamily="49" charset="0"/>
+              </a:rPr>
+              <a:t>div </a:t>
+            </a:r>
+            <a:r>
+              <a:rPr lang="en-GB" sz="1400" b="1" dirty="0">
+                <a:latin typeface="Courier New" panose="02070309020205020404" pitchFamily="49" charset="0"/>
+                <a:cs typeface="Courier New" panose="02070309020205020404" pitchFamily="49" charset="0"/>
+              </a:rPr>
+              <a:t>ng-controller="</a:t>
+            </a:r>
+            <a:r>
+              <a:rPr lang="en-GB" sz="1400" b="1" dirty="0" err="1">
+                <a:latin typeface="Courier New" panose="02070309020205020404" pitchFamily="49" charset="0"/>
+                <a:cs typeface="Courier New" panose="02070309020205020404" pitchFamily="49" charset="0"/>
+              </a:rPr>
+              <a:t>weatherCtrl</a:t>
+            </a:r>
+            <a:r>
+              <a:rPr lang="en-GB" sz="1400" b="1" dirty="0">
+                <a:latin typeface="Courier New" panose="02070309020205020404" pitchFamily="49" charset="0"/>
+                <a:cs typeface="Courier New" panose="02070309020205020404" pitchFamily="49" charset="0"/>
+              </a:rPr>
+              <a:t>"</a:t>
+            </a:r>
+            <a:r>
+              <a:rPr lang="en-GB" sz="1400" dirty="0">
+                <a:latin typeface="Courier New" panose="02070309020205020404" pitchFamily="49" charset="0"/>
+                <a:cs typeface="Courier New" panose="02070309020205020404" pitchFamily="49" charset="0"/>
+              </a:rPr>
+              <a:t>&gt;</a:t>
+            </a:r>
+          </a:p>
+          <a:p>
+            <a:r>
+              <a:rPr lang="en-GB" sz="1400" dirty="0" smtClean="0">
+                <a:latin typeface="Courier New" panose="02070309020205020404" pitchFamily="49" charset="0"/>
+                <a:cs typeface="Courier New" panose="02070309020205020404" pitchFamily="49" charset="0"/>
+              </a:rPr>
+              <a:t>    </a:t>
+            </a:r>
+            <a:r>
+              <a:rPr lang="en-GB" sz="1400" b="1" dirty="0" smtClean="0">
+                <a:latin typeface="Courier New" panose="02070309020205020404" pitchFamily="49" charset="0"/>
+                <a:cs typeface="Courier New" panose="02070309020205020404" pitchFamily="49" charset="0"/>
+              </a:rPr>
+              <a:t>{{</a:t>
+            </a:r>
+            <a:r>
+              <a:rPr lang="en-GB" sz="1400" b="1" dirty="0">
+                <a:latin typeface="Courier New" panose="02070309020205020404" pitchFamily="49" charset="0"/>
+                <a:cs typeface="Courier New" panose="02070309020205020404" pitchFamily="49" charset="0"/>
+              </a:rPr>
+              <a:t>weather}}</a:t>
+            </a:r>
+          </a:p>
+          <a:p>
+            <a:r>
+              <a:rPr lang="en-GB" sz="1400" dirty="0" smtClean="0">
+                <a:latin typeface="Courier New" panose="02070309020205020404" pitchFamily="49" charset="0"/>
+                <a:cs typeface="Courier New" panose="02070309020205020404" pitchFamily="49" charset="0"/>
+              </a:rPr>
+              <a:t>  &lt;/</a:t>
+            </a:r>
+            <a:r>
+              <a:rPr lang="en-GB" sz="1400" dirty="0">
+                <a:latin typeface="Courier New" panose="02070309020205020404" pitchFamily="49" charset="0"/>
+                <a:cs typeface="Courier New" panose="02070309020205020404" pitchFamily="49" charset="0"/>
+              </a:rPr>
+              <a:t>div&gt;</a:t>
+            </a:r>
+          </a:p>
+          <a:p>
+            <a:r>
+              <a:rPr lang="en-GB" sz="1400" dirty="0" smtClean="0">
+                <a:latin typeface="Courier New" panose="02070309020205020404" pitchFamily="49" charset="0"/>
+                <a:cs typeface="Courier New" panose="02070309020205020404" pitchFamily="49" charset="0"/>
+              </a:rPr>
+              <a:t>&lt;/</a:t>
+            </a:r>
+            <a:r>
+              <a:rPr lang="en-GB" sz="1400" dirty="0">
+                <a:latin typeface="Courier New" panose="02070309020205020404" pitchFamily="49" charset="0"/>
+                <a:cs typeface="Courier New" panose="02070309020205020404" pitchFamily="49" charset="0"/>
+              </a:rPr>
+              <a:t>body</a:t>
+            </a:r>
+            <a:r>
+              <a:rPr lang="en-GB" sz="1400" dirty="0" smtClean="0">
+                <a:latin typeface="Courier New" panose="02070309020205020404" pitchFamily="49" charset="0"/>
+                <a:cs typeface="Courier New" panose="02070309020205020404" pitchFamily="49" charset="0"/>
+              </a:rPr>
+              <a:t>&gt;</a:t>
+            </a:r>
+            <a:endParaRPr lang="sr-Latn-RS" sz="1400" dirty="0" smtClean="0">
+              <a:latin typeface="Courier New" panose="02070309020205020404" pitchFamily="49" charset="0"/>
+              <a:cs typeface="Courier New" panose="02070309020205020404" pitchFamily="49" charset="0"/>
+            </a:endParaRPr>
+          </a:p>
+          <a:p>
+            <a:r>
+              <a:rPr lang="sr-Latn-RS" sz="1400" dirty="0" smtClean="0">
+                <a:latin typeface="Courier New" panose="02070309020205020404" pitchFamily="49" charset="0"/>
+                <a:cs typeface="Courier New" panose="02070309020205020404" pitchFamily="49" charset="0"/>
+              </a:rPr>
+              <a:t>...</a:t>
+            </a:r>
+            <a:endParaRPr lang="en-GB" sz="1400" dirty="0">
+              <a:latin typeface="Courier New" panose="02070309020205020404" pitchFamily="49" charset="0"/>
+              <a:cs typeface="Courier New" panose="02070309020205020404" pitchFamily="49" charset="0"/>
+            </a:endParaRPr>
+          </a:p>
+        </p:txBody>
+      </p:sp>
+      <p:sp>
+        <p:nvSpPr>
+          <p:cNvPr id="6" name="TextBox 5"/>
+          <p:cNvSpPr txBox="1"/>
+          <p:nvPr/>
+        </p:nvSpPr>
+        <p:spPr>
+          <a:xfrm>
+            <a:off x="7524328" y="5589240"/>
+            <a:ext cx="1053494" cy="369332"/>
+          </a:xfrm>
+          <a:prstGeom prst="rect">
+            <a:avLst/>
+          </a:prstGeom>
+          <a:noFill/>
+        </p:spPr>
+        <p:txBody>
+          <a:bodyPr wrap="none" rtlCol="0">
+            <a:spAutoFit/>
+          </a:bodyPr>
+          <a:lstStyle/>
+          <a:p>
+            <a:r>
+              <a:rPr lang="sr-Latn-RS" dirty="0" smtClean="0"/>
+              <a:t>primer02</a:t>
+            </a:r>
+          </a:p>
+        </p:txBody>
+      </p:sp>
+    </p:spTree>
+    <p:extLst>
+      <p:ext uri="{BB962C8B-B14F-4D97-AF65-F5344CB8AC3E}">
+        <p14:creationId xmlns:p14="http://schemas.microsoft.com/office/powerpoint/2010/main" val="219829858"/>
+      </p:ext>
+    </p:extLst>
+  </p:cSld>
+  <p:clrMapOvr>
+    <a:masterClrMapping/>
+  </p:clrMapOvr>
+  <p:timing>
+    <p:tnLst>
+      <p:par>
+        <p:cTn id="1" dur="indefinite" restart="never" nodeType="tmRoot"/>
+      </p:par>
+    </p:tnLst>
+  </p:timing>
+</p:sld>
+</file>
+
+<file path=ppt/slides/slide11.xml><?xml version="1.0" encoding="utf-8"?>
+<p:sld xmlns:a="http://schemas.openxmlformats.org/drawingml/2006/main" xmlns:r="http://schemas.openxmlformats.org/officeDocument/2006/relationships" xmlns:p="http://schemas.openxmlformats.org/presentationml/2006/main">
+  <p:cSld>
+    <p:spTree>
+      <p:nvGrpSpPr>
+        <p:cNvPr id="1" name=""/>
+        <p:cNvGrpSpPr/>
+        <p:nvPr/>
+      </p:nvGrpSpPr>
+      <p:grpSpPr>
+        <a:xfrm>
+          <a:off x="0" y="0"/>
+          <a:ext cx="0" cy="0"/>
+          <a:chOff x="0" y="0"/>
+          <a:chExt cx="0" cy="0"/>
+        </a:xfrm>
+      </p:grpSpPr>
+      <p:sp>
+        <p:nvSpPr>
+          <p:cNvPr id="2" name="Title 1"/>
+          <p:cNvSpPr>
+            <a:spLocks noGrp="1"/>
+          </p:cNvSpPr>
+          <p:nvPr>
+            <p:ph type="title"/>
+          </p:nvPr>
+        </p:nvSpPr>
+        <p:spPr/>
+        <p:txBody>
           <a:bodyPr>
             <a:normAutofit/>
           </a:bodyPr>
@@ -3792,312 +4487,6 @@
 </p:sld>
 </file>
 
-<file path=ppt/slides/slide11.xml><?xml version="1.0" encoding="utf-8"?>
-<p:sld xmlns:a="http://schemas.openxmlformats.org/drawingml/2006/main" xmlns:r="http://schemas.openxmlformats.org/officeDocument/2006/relationships" xmlns:p="http://schemas.openxmlformats.org/presentationml/2006/main">
-  <p:cSld>
-    <p:spTree>
-      <p:nvGrpSpPr>
-        <p:cNvPr id="1" name=""/>
-        <p:cNvGrpSpPr/>
-        <p:nvPr/>
-      </p:nvGrpSpPr>
-      <p:grpSpPr>
-        <a:xfrm>
-          <a:off x="0" y="0"/>
-          <a:ext cx="0" cy="0"/>
-          <a:chOff x="0" y="0"/>
-          <a:chExt cx="0" cy="0"/>
-        </a:xfrm>
-      </p:grpSpPr>
-      <p:sp>
-        <p:nvSpPr>
-          <p:cNvPr id="2" name="Title 1"/>
-          <p:cNvSpPr>
-            <a:spLocks noGrp="1"/>
-          </p:cNvSpPr>
-          <p:nvPr>
-            <p:ph type="title"/>
-          </p:nvPr>
-        </p:nvSpPr>
-        <p:spPr/>
-        <p:txBody>
-          <a:bodyPr/>
-          <a:lstStyle/>
-          <a:p>
-            <a:r>
-              <a:rPr lang="sr-Latn-RS" dirty="0" smtClean="0"/>
-              <a:t>Ugnježdeni kontroleri</a:t>
-            </a:r>
-            <a:endParaRPr lang="en-GB" dirty="0"/>
-          </a:p>
-        </p:txBody>
-      </p:sp>
-      <p:sp>
-        <p:nvSpPr>
-          <p:cNvPr id="3" name="Content Placeholder 2"/>
-          <p:cNvSpPr>
-            <a:spLocks noGrp="1"/>
-          </p:cNvSpPr>
-          <p:nvPr>
-            <p:ph idx="1"/>
-          </p:nvPr>
-        </p:nvSpPr>
-        <p:spPr/>
-        <p:txBody>
-          <a:bodyPr>
-            <a:normAutofit/>
-          </a:bodyPr>
-          <a:lstStyle/>
-          <a:p>
-            <a:pPr marL="0" indent="0">
-              <a:buNone/>
-            </a:pPr>
-            <a:r>
-              <a:rPr lang="en-GB" sz="1800" dirty="0">
-                <a:latin typeface="Courier New" panose="02070309020205020404" pitchFamily="49" charset="0"/>
-                <a:cs typeface="Courier New" panose="02070309020205020404" pitchFamily="49" charset="0"/>
-              </a:rPr>
-              <a:t>&lt;div ng-controller="</a:t>
-            </a:r>
-            <a:r>
-              <a:rPr lang="en-GB" sz="1800" dirty="0" err="1">
-                <a:latin typeface="Courier New" panose="02070309020205020404" pitchFamily="49" charset="0"/>
-                <a:cs typeface="Courier New" panose="02070309020205020404" pitchFamily="49" charset="0"/>
-              </a:rPr>
-              <a:t>ParentController</a:t>
-            </a:r>
-            <a:r>
-              <a:rPr lang="en-GB" sz="1800" dirty="0">
-                <a:latin typeface="Courier New" panose="02070309020205020404" pitchFamily="49" charset="0"/>
-                <a:cs typeface="Courier New" panose="02070309020205020404" pitchFamily="49" charset="0"/>
-              </a:rPr>
-              <a:t>"&gt;</a:t>
-            </a:r>
-          </a:p>
-          <a:p>
-            <a:pPr marL="0" indent="0">
-              <a:buNone/>
-            </a:pPr>
-            <a:r>
-              <a:rPr lang="en-GB" sz="1800" dirty="0">
-                <a:latin typeface="Courier New" panose="02070309020205020404" pitchFamily="49" charset="0"/>
-                <a:cs typeface="Courier New" panose="02070309020205020404" pitchFamily="49" charset="0"/>
-              </a:rPr>
-              <a:t>      &lt;h1&gt; {{message}}&lt;/h1&gt;</a:t>
-            </a:r>
-          </a:p>
-          <a:p>
-            <a:pPr marL="0" indent="0">
-              <a:buNone/>
-            </a:pPr>
-            <a:r>
-              <a:rPr lang="en-GB" sz="1800" dirty="0">
-                <a:latin typeface="Courier New" panose="02070309020205020404" pitchFamily="49" charset="0"/>
-                <a:cs typeface="Courier New" panose="02070309020205020404" pitchFamily="49" charset="0"/>
-              </a:rPr>
-              <a:t>      &lt;p&gt;{{text}}&lt;/p&gt;</a:t>
-            </a:r>
-          </a:p>
-          <a:p>
-            <a:pPr marL="0" indent="0">
-              <a:buNone/>
-            </a:pPr>
-            <a:endParaRPr lang="en-GB" sz="1800" dirty="0">
-              <a:latin typeface="Courier New" panose="02070309020205020404" pitchFamily="49" charset="0"/>
-              <a:cs typeface="Courier New" panose="02070309020205020404" pitchFamily="49" charset="0"/>
-            </a:endParaRPr>
-          </a:p>
-          <a:p>
-            <a:pPr marL="0" indent="0">
-              <a:buNone/>
-            </a:pPr>
-            <a:r>
-              <a:rPr lang="en-GB" sz="1800" dirty="0">
-                <a:latin typeface="Courier New" panose="02070309020205020404" pitchFamily="49" charset="0"/>
-                <a:cs typeface="Courier New" panose="02070309020205020404" pitchFamily="49" charset="0"/>
-              </a:rPr>
-              <a:t>      &lt;div ng-controller="</a:t>
-            </a:r>
-            <a:r>
-              <a:rPr lang="en-GB" sz="1800" dirty="0" err="1">
-                <a:latin typeface="Courier New" panose="02070309020205020404" pitchFamily="49" charset="0"/>
-                <a:cs typeface="Courier New" panose="02070309020205020404" pitchFamily="49" charset="0"/>
-              </a:rPr>
-              <a:t>ChildController</a:t>
-            </a:r>
-            <a:r>
-              <a:rPr lang="en-GB" sz="1800" dirty="0">
-                <a:latin typeface="Courier New" panose="02070309020205020404" pitchFamily="49" charset="0"/>
-                <a:cs typeface="Courier New" panose="02070309020205020404" pitchFamily="49" charset="0"/>
-              </a:rPr>
-              <a:t>"&gt;</a:t>
-            </a:r>
-          </a:p>
-          <a:p>
-            <a:pPr marL="0" indent="0">
-              <a:buNone/>
-            </a:pPr>
-            <a:r>
-              <a:rPr lang="en-GB" sz="1800" dirty="0">
-                <a:latin typeface="Courier New" panose="02070309020205020404" pitchFamily="49" charset="0"/>
-                <a:cs typeface="Courier New" panose="02070309020205020404" pitchFamily="49" charset="0"/>
-              </a:rPr>
-              <a:t>        &lt;h1&gt; {{message}}&lt;/h1&gt;</a:t>
-            </a:r>
-          </a:p>
-          <a:p>
-            <a:pPr marL="0" indent="0">
-              <a:buNone/>
-            </a:pPr>
-            <a:r>
-              <a:rPr lang="en-GB" sz="1800" dirty="0">
-                <a:latin typeface="Courier New" panose="02070309020205020404" pitchFamily="49" charset="0"/>
-                <a:cs typeface="Courier New" panose="02070309020205020404" pitchFamily="49" charset="0"/>
-              </a:rPr>
-              <a:t>        &lt;h1&gt; {{$</a:t>
-            </a:r>
-            <a:r>
-              <a:rPr lang="en-GB" sz="1800" dirty="0" err="1">
-                <a:latin typeface="Courier New" panose="02070309020205020404" pitchFamily="49" charset="0"/>
-                <a:cs typeface="Courier New" panose="02070309020205020404" pitchFamily="49" charset="0"/>
-              </a:rPr>
-              <a:t>parent.message</a:t>
-            </a:r>
-            <a:r>
-              <a:rPr lang="en-GB" sz="1800" dirty="0">
-                <a:latin typeface="Courier New" panose="02070309020205020404" pitchFamily="49" charset="0"/>
-                <a:cs typeface="Courier New" panose="02070309020205020404" pitchFamily="49" charset="0"/>
-              </a:rPr>
-              <a:t>}}&lt;/h1&gt; </a:t>
-            </a:r>
-            <a:endParaRPr lang="sr-Latn-RS" sz="1800" dirty="0" smtClean="0">
-              <a:latin typeface="Courier New" panose="02070309020205020404" pitchFamily="49" charset="0"/>
-              <a:cs typeface="Courier New" panose="02070309020205020404" pitchFamily="49" charset="0"/>
-            </a:endParaRPr>
-          </a:p>
-          <a:p>
-            <a:pPr marL="0" indent="0">
-              <a:buNone/>
-            </a:pPr>
-            <a:r>
-              <a:rPr lang="sr-Latn-RS" sz="1800" dirty="0">
-                <a:latin typeface="Courier New" panose="02070309020205020404" pitchFamily="49" charset="0"/>
-                <a:cs typeface="Courier New" panose="02070309020205020404" pitchFamily="49" charset="0"/>
-              </a:rPr>
-              <a:t>	</a:t>
-            </a:r>
-            <a:r>
-              <a:rPr lang="en-GB" sz="1800" dirty="0" smtClean="0">
-                <a:latin typeface="Courier New" panose="02070309020205020404" pitchFamily="49" charset="0"/>
-                <a:cs typeface="Courier New" panose="02070309020205020404" pitchFamily="49" charset="0"/>
-              </a:rPr>
-              <a:t>&lt;</a:t>
-            </a:r>
-            <a:r>
-              <a:rPr lang="en-GB" sz="1800" dirty="0">
-                <a:latin typeface="Courier New" panose="02070309020205020404" pitchFamily="49" charset="0"/>
-                <a:cs typeface="Courier New" panose="02070309020205020404" pitchFamily="49" charset="0"/>
-              </a:rPr>
-              <a:t>input type="text" ng-model="$</a:t>
-            </a:r>
-            <a:r>
-              <a:rPr lang="en-GB" sz="1800" dirty="0" err="1">
-                <a:latin typeface="Courier New" panose="02070309020205020404" pitchFamily="49" charset="0"/>
-                <a:cs typeface="Courier New" panose="02070309020205020404" pitchFamily="49" charset="0"/>
-              </a:rPr>
-              <a:t>parent.text</a:t>
-            </a:r>
-            <a:r>
-              <a:rPr lang="en-GB" sz="1800" dirty="0">
-                <a:latin typeface="Courier New" panose="02070309020205020404" pitchFamily="49" charset="0"/>
-                <a:cs typeface="Courier New" panose="02070309020205020404" pitchFamily="49" charset="0"/>
-              </a:rPr>
-              <a:t>"/&gt;</a:t>
-            </a:r>
-          </a:p>
-          <a:p>
-            <a:pPr marL="0" indent="0">
-              <a:buNone/>
-            </a:pPr>
-            <a:r>
-              <a:rPr lang="en-GB" sz="1800" dirty="0" smtClean="0">
-                <a:latin typeface="Courier New" panose="02070309020205020404" pitchFamily="49" charset="0"/>
-                <a:cs typeface="Courier New" panose="02070309020205020404" pitchFamily="49" charset="0"/>
-              </a:rPr>
-              <a:t>&lt;/</a:t>
-            </a:r>
-            <a:r>
-              <a:rPr lang="en-GB" sz="1800" dirty="0">
-                <a:latin typeface="Courier New" panose="02070309020205020404" pitchFamily="49" charset="0"/>
-                <a:cs typeface="Courier New" panose="02070309020205020404" pitchFamily="49" charset="0"/>
-              </a:rPr>
-              <a:t>div</a:t>
-            </a:r>
-            <a:r>
-              <a:rPr lang="en-GB" sz="1800" dirty="0" smtClean="0">
-                <a:latin typeface="Courier New" panose="02070309020205020404" pitchFamily="49" charset="0"/>
-                <a:cs typeface="Courier New" panose="02070309020205020404" pitchFamily="49" charset="0"/>
-              </a:rPr>
-              <a:t>&gt;</a:t>
-            </a:r>
-            <a:endParaRPr lang="sr-Latn-RS" sz="1800" dirty="0" smtClean="0">
-              <a:latin typeface="Courier New" panose="02070309020205020404" pitchFamily="49" charset="0"/>
-              <a:cs typeface="Courier New" panose="02070309020205020404" pitchFamily="49" charset="0"/>
-            </a:endParaRPr>
-          </a:p>
-          <a:p>
-            <a:pPr marL="0" indent="0">
-              <a:buNone/>
-            </a:pPr>
-            <a:endParaRPr lang="sr-Latn-RS" sz="1800" dirty="0">
-              <a:latin typeface="Courier New" panose="02070309020205020404" pitchFamily="49" charset="0"/>
-              <a:cs typeface="Courier New" panose="02070309020205020404" pitchFamily="49" charset="0"/>
-            </a:endParaRPr>
-          </a:p>
-          <a:p>
-            <a:pPr marL="0" indent="0" algn="r">
-              <a:buNone/>
-            </a:pPr>
-            <a:endParaRPr lang="sr-Latn-RS" sz="2400" b="1" dirty="0" smtClean="0">
-              <a:cs typeface="Courier New" panose="02070309020205020404" pitchFamily="49" charset="0"/>
-            </a:endParaRPr>
-          </a:p>
-          <a:p>
-            <a:pPr marL="0" indent="0" algn="r">
-              <a:buNone/>
-            </a:pPr>
-            <a:r>
-              <a:rPr lang="sr-Latn-RS" sz="2400" b="1" dirty="0" smtClean="0">
-                <a:cs typeface="Courier New" panose="02070309020205020404" pitchFamily="49" charset="0"/>
-              </a:rPr>
-              <a:t>Primer 03a</a:t>
-            </a:r>
-            <a:endParaRPr lang="en-GB" sz="2400" b="1" dirty="0">
-              <a:cs typeface="Courier New" panose="02070309020205020404" pitchFamily="49" charset="0"/>
-            </a:endParaRPr>
-          </a:p>
-        </p:txBody>
-      </p:sp>
-    </p:spTree>
-    <p:extLst>
-      <p:ext uri="{BB962C8B-B14F-4D97-AF65-F5344CB8AC3E}">
-        <p14:creationId xmlns:p14="http://schemas.microsoft.com/office/powerpoint/2010/main" val="983134276"/>
-      </p:ext>
-    </p:extLst>
-  </p:cSld>
-  <p:clrMapOvr>
-    <a:masterClrMapping/>
-  </p:clrMapOvr>
-  <p:timing>
-    <p:tnLst>
-      <p:par>
-        <p:cTn id="1" dur="indefinite" restart="never" nodeType="tmRoot"/>
-      </p:par>
-    </p:tnLst>
-  </p:timing>
-</p:sld>
-</file>
-
 <file path=ppt/slides/slide12.xml><?xml version="1.0" encoding="utf-8"?>
 <p:sld xmlns:a="http://schemas.openxmlformats.org/drawingml/2006/main" xmlns:r="http://schemas.openxmlformats.org/officeDocument/2006/relationships" xmlns:p="http://schemas.openxmlformats.org/presentationml/2006/main">
   <p:cSld>
@@ -4127,14 +4516,12 @@
         </p:nvSpPr>
         <p:spPr/>
         <p:txBody>
-          <a:bodyPr>
-            <a:normAutofit/>
-          </a:bodyPr>
+          <a:bodyPr/>
           <a:lstStyle/>
           <a:p>
             <a:r>
               <a:rPr lang="sr-Latn-RS" dirty="0" smtClean="0"/>
-              <a:t>Interpolacija {{ izraz }}</a:t>
+              <a:t>Ugnježdeni kontroleri</a:t>
             </a:r>
             <a:endParaRPr lang="en-GB" dirty="0"/>
           </a:p>
@@ -4153,222 +4540,243 @@
         <p:spPr/>
         <p:txBody>
           <a:bodyPr>
-            <a:normAutofit lnSpcReduction="10000"/>
+            <a:normAutofit/>
           </a:bodyPr>
           <a:lstStyle/>
           <a:p>
-            <a:r>
-              <a:rPr lang="sr-Latn-RS" dirty="0" smtClean="0"/>
-              <a:t>Deo markupa označen sa </a:t>
-            </a:r>
-            <a:r>
-              <a:rPr lang="sr-Latn-RS" dirty="0"/>
-              <a:t>{{ izraz </a:t>
-            </a:r>
-            <a:r>
-              <a:rPr lang="sr-Latn-RS" dirty="0" smtClean="0"/>
-              <a:t>}} se zamenjuje vrednošću izraza</a:t>
-            </a:r>
-          </a:p>
-          <a:p>
-            <a:endParaRPr lang="en-GB" dirty="0"/>
-          </a:p>
-          <a:p>
-            <a:r>
-              <a:rPr lang="en-GB" dirty="0" err="1"/>
-              <a:t>Interpolacioni</a:t>
-            </a:r>
-            <a:r>
-              <a:rPr lang="en-GB" dirty="0"/>
-              <a:t> </a:t>
-            </a:r>
-            <a:r>
-              <a:rPr lang="en-GB" dirty="0" err="1"/>
-              <a:t>izrazi</a:t>
-            </a:r>
-            <a:r>
-              <a:rPr lang="en-GB" dirty="0"/>
-              <a:t> se </a:t>
-            </a:r>
-            <a:r>
-              <a:rPr lang="en-GB" dirty="0" err="1"/>
-              <a:t>mogu</a:t>
-            </a:r>
-            <a:r>
-              <a:rPr lang="en-GB" dirty="0"/>
-              <a:t> </a:t>
-            </a:r>
-            <a:r>
-              <a:rPr lang="en-GB" dirty="0" err="1"/>
-              <a:t>staviti</a:t>
-            </a:r>
-            <a:r>
-              <a:rPr lang="en-GB" dirty="0"/>
-              <a:t> </a:t>
-            </a:r>
-            <a:r>
-              <a:rPr lang="en-GB" dirty="0" err="1"/>
-              <a:t>gotovo</a:t>
-            </a:r>
-            <a:r>
-              <a:rPr lang="en-GB" dirty="0"/>
-              <a:t> </a:t>
-            </a:r>
-            <a:r>
-              <a:rPr lang="en-GB" dirty="0" err="1"/>
-              <a:t>bilo</a:t>
-            </a:r>
-            <a:r>
-              <a:rPr lang="en-GB" dirty="0"/>
-              <a:t> </a:t>
-            </a:r>
-            <a:r>
-              <a:rPr lang="en-GB" dirty="0" err="1"/>
-              <a:t>gde</a:t>
-            </a:r>
-            <a:r>
-              <a:rPr lang="en-GB" dirty="0"/>
-              <a:t> u HTML-u: </a:t>
-            </a:r>
-            <a:endParaRPr lang="sr-Latn-RS" dirty="0" smtClean="0"/>
-          </a:p>
-          <a:p>
-            <a:pPr lvl="1"/>
-            <a:r>
-              <a:rPr lang="en-GB" b="1" dirty="0" err="1" smtClean="0"/>
-              <a:t>Unutar</a:t>
-            </a:r>
-            <a:r>
-              <a:rPr lang="en-GB" b="1" dirty="0" smtClean="0"/>
-              <a:t> </a:t>
-            </a:r>
-            <a:r>
-              <a:rPr lang="en-GB" b="1" dirty="0"/>
-              <a:t>HTML </a:t>
-            </a:r>
-            <a:r>
-              <a:rPr lang="en-GB" b="1" dirty="0" err="1"/>
-              <a:t>taga</a:t>
-            </a:r>
-            <a:r>
-              <a:rPr lang="en-GB" b="1" dirty="0"/>
-              <a:t> </a:t>
-            </a:r>
-            <a:r>
-              <a:rPr lang="en-GB" dirty="0"/>
-              <a:t>&lt;div&gt; {{ </a:t>
-            </a:r>
-            <a:r>
-              <a:rPr lang="en-GB" i="1" dirty="0" err="1"/>
-              <a:t>izraz</a:t>
-            </a:r>
-            <a:r>
-              <a:rPr lang="en-GB" i="1" dirty="0"/>
-              <a:t> </a:t>
-            </a:r>
-            <a:r>
-              <a:rPr lang="en-GB" dirty="0"/>
-              <a:t>}} &lt;/div&gt; </a:t>
-            </a:r>
-          </a:p>
-          <a:p>
-            <a:pPr lvl="1"/>
-            <a:r>
-              <a:rPr lang="en-GB" b="1" dirty="0" err="1" smtClean="0"/>
-              <a:t>Vrednost</a:t>
-            </a:r>
-            <a:r>
-              <a:rPr lang="en-GB" b="1" dirty="0" smtClean="0"/>
-              <a:t> </a:t>
-            </a:r>
-            <a:r>
-              <a:rPr lang="en-GB" b="1" dirty="0" err="1"/>
-              <a:t>atributa</a:t>
-            </a:r>
-            <a:r>
-              <a:rPr lang="en-GB" b="1" dirty="0"/>
-              <a:t> </a:t>
-            </a:r>
-            <a:r>
-              <a:rPr lang="en-GB" dirty="0"/>
-              <a:t>&lt;div </a:t>
-            </a:r>
-            <a:r>
-              <a:rPr lang="en-GB" dirty="0" err="1"/>
-              <a:t>att</a:t>
-            </a:r>
-            <a:r>
-              <a:rPr lang="en-GB" dirty="0"/>
-              <a:t> = {{ </a:t>
-            </a:r>
-            <a:r>
-              <a:rPr lang="en-GB" i="1" dirty="0" err="1"/>
-              <a:t>izraz</a:t>
-            </a:r>
-            <a:r>
-              <a:rPr lang="en-GB" i="1" dirty="0"/>
-              <a:t> </a:t>
-            </a:r>
-            <a:r>
-              <a:rPr lang="en-GB" dirty="0"/>
-              <a:t>}}&gt;&lt;/div&gt; </a:t>
-            </a:r>
-          </a:p>
-          <a:p>
-            <a:pPr lvl="1"/>
-            <a:r>
-              <a:rPr lang="en-GB" b="1" dirty="0" err="1" smtClean="0"/>
-              <a:t>Ime</a:t>
-            </a:r>
-            <a:r>
-              <a:rPr lang="en-GB" b="1" dirty="0" smtClean="0"/>
-              <a:t> </a:t>
-            </a:r>
-            <a:r>
-              <a:rPr lang="en-GB" b="1" dirty="0" err="1"/>
-              <a:t>atributa</a:t>
-            </a:r>
-            <a:r>
-              <a:rPr lang="en-GB" b="1" dirty="0"/>
-              <a:t> </a:t>
-            </a:r>
-            <a:r>
-              <a:rPr lang="en-GB" dirty="0"/>
-              <a:t>&lt;div {{ </a:t>
-            </a:r>
-            <a:r>
-              <a:rPr lang="en-GB" i="1" dirty="0" err="1"/>
-              <a:t>izraz</a:t>
-            </a:r>
-            <a:r>
-              <a:rPr lang="en-GB" i="1" dirty="0"/>
-              <a:t> </a:t>
-            </a:r>
-            <a:r>
-              <a:rPr lang="en-GB" dirty="0"/>
-              <a:t>}} = “</a:t>
-            </a:r>
-            <a:r>
-              <a:rPr lang="en-GB" dirty="0" err="1"/>
-              <a:t>vrednost_atributa</a:t>
-            </a:r>
-            <a:r>
-              <a:rPr lang="en-GB" dirty="0"/>
-              <a:t>“&gt;&lt;/div&gt; </a:t>
-            </a:r>
-          </a:p>
-          <a:p>
-            <a:endParaRPr lang="en-GB" dirty="0"/>
-          </a:p>
-          <a:p>
-            <a:endParaRPr lang="en-GB" dirty="0"/>
+            <a:pPr marL="0" indent="0">
+              <a:buNone/>
+            </a:pPr>
+            <a:r>
+              <a:rPr lang="en-GB" sz="1800" dirty="0">
+                <a:latin typeface="Courier New" panose="02070309020205020404" pitchFamily="49" charset="0"/>
+                <a:cs typeface="Courier New" panose="02070309020205020404" pitchFamily="49" charset="0"/>
+              </a:rPr>
+              <a:t>&lt;div ng-controller="</a:t>
+            </a:r>
+            <a:r>
+              <a:rPr lang="en-GB" sz="1800" dirty="0" err="1">
+                <a:latin typeface="Courier New" panose="02070309020205020404" pitchFamily="49" charset="0"/>
+                <a:cs typeface="Courier New" panose="02070309020205020404" pitchFamily="49" charset="0"/>
+              </a:rPr>
+              <a:t>ParentController</a:t>
+            </a:r>
+            <a:r>
+              <a:rPr lang="en-GB" sz="1800" dirty="0">
+                <a:latin typeface="Courier New" panose="02070309020205020404" pitchFamily="49" charset="0"/>
+                <a:cs typeface="Courier New" panose="02070309020205020404" pitchFamily="49" charset="0"/>
+              </a:rPr>
+              <a:t>"&gt;</a:t>
+            </a:r>
+          </a:p>
+          <a:p>
+            <a:pPr marL="0" indent="0">
+              <a:buNone/>
+            </a:pPr>
+            <a:r>
+              <a:rPr lang="en-GB" sz="1800" dirty="0">
+                <a:latin typeface="Courier New" panose="02070309020205020404" pitchFamily="49" charset="0"/>
+                <a:cs typeface="Courier New" panose="02070309020205020404" pitchFamily="49" charset="0"/>
+              </a:rPr>
+              <a:t>      &lt;h1&gt; {{message}}&lt;/h1&gt;</a:t>
+            </a:r>
+          </a:p>
+          <a:p>
+            <a:pPr marL="0" indent="0">
+              <a:buNone/>
+            </a:pPr>
+            <a:r>
+              <a:rPr lang="en-GB" sz="1800" dirty="0">
+                <a:latin typeface="Courier New" panose="02070309020205020404" pitchFamily="49" charset="0"/>
+                <a:cs typeface="Courier New" panose="02070309020205020404" pitchFamily="49" charset="0"/>
+              </a:rPr>
+              <a:t>      &lt;p&gt;{{text}}&lt;/p&gt;</a:t>
+            </a:r>
+          </a:p>
+          <a:p>
+            <a:pPr marL="0" indent="0">
+              <a:buNone/>
+            </a:pPr>
+            <a:endParaRPr lang="en-GB" sz="1800" dirty="0">
+              <a:latin typeface="Courier New" panose="02070309020205020404" pitchFamily="49" charset="0"/>
+              <a:cs typeface="Courier New" panose="02070309020205020404" pitchFamily="49" charset="0"/>
+            </a:endParaRPr>
+          </a:p>
+          <a:p>
+            <a:pPr marL="0" indent="0">
+              <a:buNone/>
+            </a:pPr>
+            <a:r>
+              <a:rPr lang="en-GB" sz="1800" dirty="0">
+                <a:latin typeface="Courier New" panose="02070309020205020404" pitchFamily="49" charset="0"/>
+                <a:cs typeface="Courier New" panose="02070309020205020404" pitchFamily="49" charset="0"/>
+              </a:rPr>
+              <a:t>      &lt;div ng-controller="</a:t>
+            </a:r>
+            <a:r>
+              <a:rPr lang="en-GB" sz="1800" dirty="0" err="1">
+                <a:latin typeface="Courier New" panose="02070309020205020404" pitchFamily="49" charset="0"/>
+                <a:cs typeface="Courier New" panose="02070309020205020404" pitchFamily="49" charset="0"/>
+              </a:rPr>
+              <a:t>ChildController</a:t>
+            </a:r>
+            <a:r>
+              <a:rPr lang="en-GB" sz="1800" dirty="0">
+                <a:latin typeface="Courier New" panose="02070309020205020404" pitchFamily="49" charset="0"/>
+                <a:cs typeface="Courier New" panose="02070309020205020404" pitchFamily="49" charset="0"/>
+              </a:rPr>
+              <a:t>"&gt;</a:t>
+            </a:r>
+          </a:p>
+          <a:p>
+            <a:pPr marL="0" indent="0">
+              <a:buNone/>
+            </a:pPr>
+            <a:r>
+              <a:rPr lang="en-GB" sz="1800" dirty="0">
+                <a:latin typeface="Courier New" panose="02070309020205020404" pitchFamily="49" charset="0"/>
+                <a:cs typeface="Courier New" panose="02070309020205020404" pitchFamily="49" charset="0"/>
+              </a:rPr>
+              <a:t>        &lt;h1&gt; {{message}}&lt;/h1&gt;</a:t>
+            </a:r>
+          </a:p>
+          <a:p>
+            <a:pPr marL="0" indent="0">
+              <a:buNone/>
+            </a:pPr>
+            <a:r>
+              <a:rPr lang="en-GB" sz="1800" dirty="0">
+                <a:latin typeface="Courier New" panose="02070309020205020404" pitchFamily="49" charset="0"/>
+                <a:cs typeface="Courier New" panose="02070309020205020404" pitchFamily="49" charset="0"/>
+              </a:rPr>
+              <a:t>        &lt;h1&gt; {{$</a:t>
+            </a:r>
+            <a:r>
+              <a:rPr lang="en-GB" sz="1800" dirty="0" err="1">
+                <a:latin typeface="Courier New" panose="02070309020205020404" pitchFamily="49" charset="0"/>
+                <a:cs typeface="Courier New" panose="02070309020205020404" pitchFamily="49" charset="0"/>
+              </a:rPr>
+              <a:t>parent.message</a:t>
+            </a:r>
+            <a:r>
+              <a:rPr lang="en-GB" sz="1800" dirty="0">
+                <a:latin typeface="Courier New" panose="02070309020205020404" pitchFamily="49" charset="0"/>
+                <a:cs typeface="Courier New" panose="02070309020205020404" pitchFamily="49" charset="0"/>
+              </a:rPr>
+              <a:t>}}&lt;/h1&gt; </a:t>
+            </a:r>
+            <a:endParaRPr lang="sr-Latn-RS" sz="1800" dirty="0" smtClean="0">
+              <a:latin typeface="Courier New" panose="02070309020205020404" pitchFamily="49" charset="0"/>
+              <a:cs typeface="Courier New" panose="02070309020205020404" pitchFamily="49" charset="0"/>
+            </a:endParaRPr>
+          </a:p>
+          <a:p>
+            <a:pPr marL="0" indent="0">
+              <a:buNone/>
+            </a:pPr>
+            <a:r>
+              <a:rPr lang="sr-Latn-RS" sz="1800" dirty="0">
+                <a:latin typeface="Courier New" panose="02070309020205020404" pitchFamily="49" charset="0"/>
+                <a:cs typeface="Courier New" panose="02070309020205020404" pitchFamily="49" charset="0"/>
+              </a:rPr>
+              <a:t>	</a:t>
+            </a:r>
+            <a:r>
+              <a:rPr lang="en-GB" sz="1800" dirty="0" smtClean="0">
+                <a:latin typeface="Courier New" panose="02070309020205020404" pitchFamily="49" charset="0"/>
+                <a:cs typeface="Courier New" panose="02070309020205020404" pitchFamily="49" charset="0"/>
+              </a:rPr>
+              <a:t>&lt;</a:t>
+            </a:r>
+            <a:r>
+              <a:rPr lang="en-GB" sz="1800" dirty="0">
+                <a:latin typeface="Courier New" panose="02070309020205020404" pitchFamily="49" charset="0"/>
+                <a:cs typeface="Courier New" panose="02070309020205020404" pitchFamily="49" charset="0"/>
+              </a:rPr>
+              <a:t>input type="text" ng-model="$</a:t>
+            </a:r>
+            <a:r>
+              <a:rPr lang="en-GB" sz="1800" dirty="0" err="1">
+                <a:latin typeface="Courier New" panose="02070309020205020404" pitchFamily="49" charset="0"/>
+                <a:cs typeface="Courier New" panose="02070309020205020404" pitchFamily="49" charset="0"/>
+              </a:rPr>
+              <a:t>parent.text</a:t>
+            </a:r>
+            <a:r>
+              <a:rPr lang="en-GB" sz="1800" dirty="0">
+                <a:latin typeface="Courier New" panose="02070309020205020404" pitchFamily="49" charset="0"/>
+                <a:cs typeface="Courier New" panose="02070309020205020404" pitchFamily="49" charset="0"/>
+              </a:rPr>
+              <a:t>"/&gt;</a:t>
+            </a:r>
+          </a:p>
+          <a:p>
+            <a:pPr marL="0" indent="0">
+              <a:buNone/>
+            </a:pPr>
+            <a:r>
+              <a:rPr lang="en-GB" sz="1800" dirty="0" smtClean="0">
+                <a:latin typeface="Courier New" panose="02070309020205020404" pitchFamily="49" charset="0"/>
+                <a:cs typeface="Courier New" panose="02070309020205020404" pitchFamily="49" charset="0"/>
+              </a:rPr>
+              <a:t>&lt;/</a:t>
+            </a:r>
+            <a:r>
+              <a:rPr lang="en-GB" sz="1800" dirty="0">
+                <a:latin typeface="Courier New" panose="02070309020205020404" pitchFamily="49" charset="0"/>
+                <a:cs typeface="Courier New" panose="02070309020205020404" pitchFamily="49" charset="0"/>
+              </a:rPr>
+              <a:t>div</a:t>
+            </a:r>
+            <a:r>
+              <a:rPr lang="en-GB" sz="1800" dirty="0" smtClean="0">
+                <a:latin typeface="Courier New" panose="02070309020205020404" pitchFamily="49" charset="0"/>
+                <a:cs typeface="Courier New" panose="02070309020205020404" pitchFamily="49" charset="0"/>
+              </a:rPr>
+              <a:t>&gt;</a:t>
+            </a:r>
+            <a:endParaRPr lang="sr-Latn-RS" sz="1800" dirty="0" smtClean="0">
+              <a:latin typeface="Courier New" panose="02070309020205020404" pitchFamily="49" charset="0"/>
+              <a:cs typeface="Courier New" panose="02070309020205020404" pitchFamily="49" charset="0"/>
+            </a:endParaRPr>
+          </a:p>
+          <a:p>
+            <a:pPr marL="0" indent="0">
+              <a:buNone/>
+            </a:pPr>
+            <a:endParaRPr lang="sr-Latn-RS" sz="1800" dirty="0">
+              <a:latin typeface="Courier New" panose="02070309020205020404" pitchFamily="49" charset="0"/>
+              <a:cs typeface="Courier New" panose="02070309020205020404" pitchFamily="49" charset="0"/>
+            </a:endParaRPr>
+          </a:p>
+          <a:p>
+            <a:pPr marL="0" indent="0" algn="r">
+              <a:buNone/>
+            </a:pPr>
+            <a:endParaRPr lang="sr-Latn-RS" sz="2400" b="1" dirty="0" smtClean="0">
+              <a:cs typeface="Courier New" panose="02070309020205020404" pitchFamily="49" charset="0"/>
+            </a:endParaRPr>
+          </a:p>
+          <a:p>
+            <a:pPr marL="0" indent="0" algn="r">
+              <a:buNone/>
+            </a:pPr>
+            <a:r>
+              <a:rPr lang="sr-Latn-RS" sz="2400" b="1" dirty="0" smtClean="0">
+                <a:cs typeface="Courier New" panose="02070309020205020404" pitchFamily="49" charset="0"/>
+              </a:rPr>
+              <a:t>Primer 03a</a:t>
+            </a:r>
+            <a:endParaRPr lang="en-GB" sz="2400" b="1" dirty="0">
+              <a:cs typeface="Courier New" panose="02070309020205020404" pitchFamily="49" charset="0"/>
+            </a:endParaRPr>
           </a:p>
         </p:txBody>
       </p:sp>
     </p:spTree>
     <p:extLst>
       <p:ext uri="{BB962C8B-B14F-4D97-AF65-F5344CB8AC3E}">
-        <p14:creationId xmlns:p14="http://schemas.microsoft.com/office/powerpoint/2010/main" val="1072109"/>
+        <p14:creationId xmlns:p14="http://schemas.microsoft.com/office/powerpoint/2010/main" val="983134276"/>
       </p:ext>
     </p:extLst>
   </p:cSld>
@@ -4419,7 +4827,7 @@
           <a:p>
             <a:r>
               <a:rPr lang="sr-Latn-RS" dirty="0" smtClean="0"/>
-              <a:t>Izrazi</a:t>
+              <a:t>Interpolacija - izrazi</a:t>
             </a:r>
             <a:endParaRPr lang="en-GB" dirty="0"/>
           </a:p>
@@ -5203,8 +5611,13 @@
           <a:p>
             <a:r>
               <a:rPr lang="sr-Latn-RS" dirty="0" smtClean="0"/>
-              <a:t>Servis</a:t>
-            </a:r>
+              <a:t>Servis </a:t>
+            </a:r>
+            <a:r>
+              <a:rPr lang="sr-Latn-RS" dirty="0" smtClean="0"/>
+              <a:t>– singleton objekat čijim životnim ciklusom (kreiranjem, razrešenjem zavisnosti i isporučivanjem kroz injekciju zavisnosti) upravlja Angular (više o tome kasnije) </a:t>
+            </a:r>
+            <a:endParaRPr lang="sr-Latn-RS" dirty="0" smtClean="0"/>
           </a:p>
           <a:p>
             <a:r>
@@ -5222,7 +5635,15 @@
           <a:p>
             <a:r>
               <a:rPr lang="sr-Latn-RS" dirty="0" smtClean="0"/>
-              <a:t>Injektuje se u kotroler kao i $scope</a:t>
+              <a:t>Injektuje se u </a:t>
+            </a:r>
+            <a:r>
+              <a:rPr lang="sr-Latn-RS" dirty="0" smtClean="0"/>
+              <a:t>kontroler </a:t>
+            </a:r>
+            <a:r>
+              <a:rPr lang="sr-Latn-RS" dirty="0" smtClean="0"/>
+              <a:t>kao i $scope</a:t>
             </a:r>
           </a:p>
           <a:p>
@@ -5380,9 +5801,16 @@
             </a:endParaRPr>
           </a:p>
           <a:p>
-            <a:pPr marL="0" indent="0">
+            <a:pPr marL="0" indent="0" algn="r">
               <a:buNone/>
             </a:pPr>
+            <a:r>
+              <a:rPr lang="sr-Latn-RS" sz="1800" b="1" dirty="0" smtClean="0">
+                <a:latin typeface="Courier New" panose="02070309020205020404" pitchFamily="49" charset="0"/>
+                <a:cs typeface="Courier New" panose="02070309020205020404" pitchFamily="49" charset="0"/>
+              </a:rPr>
+              <a:t>Primer06a</a:t>
+            </a:r>
             <a:endParaRPr lang="en-GB" sz="1800" b="1" dirty="0">
               <a:latin typeface="Courier New" panose="02070309020205020404" pitchFamily="49" charset="0"/>
               <a:cs typeface="Courier New" panose="02070309020205020404" pitchFamily="49" charset="0"/>
@@ -5392,10 +5820,12 @@
             <a:pPr marL="0" indent="0" algn="ctr">
               <a:buNone/>
             </a:pPr>
-            <a:r>
-              <a:rPr lang="sr-Latn-RS" dirty="0"/>
-              <a:t>Šta ovde ne valja?</a:t>
-            </a:r>
+            <a:endParaRPr lang="sr-Latn-RS" dirty="0" smtClean="0"/>
+          </a:p>
+          <a:p>
+            <a:pPr marL="0" indent="0" algn="ctr">
+              <a:buNone/>
+            </a:pPr>
             <a:endParaRPr lang="en-GB" dirty="0"/>
           </a:p>
         </p:txBody>
@@ -5470,75 +5900,119 @@
             <p:ph idx="1"/>
           </p:nvPr>
         </p:nvSpPr>
-        <p:spPr/>
-        <p:txBody>
-          <a:bodyPr/>
+        <p:spPr>
+          <a:xfrm>
+            <a:off x="827584" y="1888233"/>
+            <a:ext cx="7272808" cy="3701007"/>
+          </a:xfrm>
+        </p:spPr>
+        <p:txBody>
+          <a:bodyPr>
+            <a:noAutofit/>
+          </a:bodyPr>
           <a:lstStyle/>
           <a:p>
+            <a:pPr marL="0" indent="0">
+              <a:buNone/>
+            </a:pPr>
+            <a:r>
+              <a:rPr lang="sr-Latn-RS" sz="1800" b="1" dirty="0" smtClean="0">
+                <a:latin typeface="Courier New" panose="02070309020205020404" pitchFamily="49" charset="0"/>
+                <a:cs typeface="Courier New" panose="02070309020205020404" pitchFamily="49" charset="0"/>
+              </a:rPr>
+              <a:t>...</a:t>
+            </a:r>
+          </a:p>
+          <a:p>
+            <a:pPr marL="0" indent="0">
+              <a:buNone/>
+            </a:pPr>
+            <a:r>
+              <a:rPr lang="sr-Latn-RS" sz="1800" b="1" dirty="0" smtClean="0">
+                <a:latin typeface="Courier New" panose="02070309020205020404" pitchFamily="49" charset="0"/>
+                <a:cs typeface="Courier New" panose="02070309020205020404" pitchFamily="49" charset="0"/>
+              </a:rPr>
+              <a:t>$scope.user = $http.get(</a:t>
+            </a:r>
+            <a:r>
+              <a:rPr lang="en-GB" sz="1800" b="1" dirty="0">
+                <a:latin typeface="Courier New" panose="02070309020205020404" pitchFamily="49" charset="0"/>
+                <a:cs typeface="Courier New" panose="02070309020205020404" pitchFamily="49" charset="0"/>
+              </a:rPr>
+              <a:t>“https://api.github.com/users/angular”</a:t>
+            </a:r>
+            <a:r>
+              <a:rPr lang="sr-Latn-RS" sz="1800" b="1" dirty="0" smtClean="0">
+                <a:latin typeface="Courier New" panose="02070309020205020404" pitchFamily="49" charset="0"/>
+                <a:cs typeface="Courier New" panose="02070309020205020404" pitchFamily="49" charset="0"/>
+              </a:rPr>
+              <a:t>)</a:t>
+            </a:r>
+            <a:r>
+              <a:rPr lang="en-GB" sz="1800" b="1" dirty="0" smtClean="0">
+                <a:latin typeface="Courier New" panose="02070309020205020404" pitchFamily="49" charset="0"/>
+                <a:cs typeface="Courier New" panose="02070309020205020404" pitchFamily="49" charset="0"/>
+              </a:rPr>
+              <a:t>;</a:t>
+            </a:r>
+            <a:endParaRPr lang="sr-Latn-RS" sz="1800" b="1" dirty="0" smtClean="0">
+              <a:latin typeface="Courier New" panose="02070309020205020404" pitchFamily="49" charset="0"/>
+              <a:cs typeface="Courier New" panose="02070309020205020404" pitchFamily="49" charset="0"/>
+            </a:endParaRPr>
+          </a:p>
+          <a:p>
+            <a:pPr marL="0" indent="0">
+              <a:buNone/>
+            </a:pPr>
+            <a:r>
+              <a:rPr lang="sr-Latn-RS" sz="1800" b="1" dirty="0" smtClean="0">
+                <a:latin typeface="Courier New" panose="02070309020205020404" pitchFamily="49" charset="0"/>
+                <a:cs typeface="Courier New" panose="02070309020205020404" pitchFamily="49" charset="0"/>
+              </a:rPr>
+              <a:t>...</a:t>
+            </a:r>
+            <a:endParaRPr lang="en-GB" sz="1800" b="1" dirty="0" smtClean="0">
+              <a:latin typeface="Courier New" panose="02070309020205020404" pitchFamily="49" charset="0"/>
+              <a:cs typeface="Courier New" panose="02070309020205020404" pitchFamily="49" charset="0"/>
+            </a:endParaRPr>
+          </a:p>
+          <a:p>
+            <a:pPr marL="0" indent="0" algn="r">
+              <a:buNone/>
+            </a:pPr>
+            <a:r>
+              <a:rPr lang="sr-Latn-RS" sz="1800" b="1" dirty="0" smtClean="0">
+                <a:latin typeface="Courier New" panose="02070309020205020404" pitchFamily="49" charset="0"/>
+                <a:cs typeface="Courier New" panose="02070309020205020404" pitchFamily="49" charset="0"/>
+              </a:rPr>
+              <a:t>Primer06a</a:t>
+            </a:r>
+            <a:endParaRPr lang="en-GB" sz="1800" b="1" dirty="0">
+              <a:latin typeface="Courier New" panose="02070309020205020404" pitchFamily="49" charset="0"/>
+              <a:cs typeface="Courier New" panose="02070309020205020404" pitchFamily="49" charset="0"/>
+            </a:endParaRPr>
+          </a:p>
+          <a:p>
+            <a:pPr marL="0" indent="0" algn="ctr">
+              <a:buNone/>
+            </a:pPr>
             <a:r>
               <a:rPr lang="sr-Latn-RS" dirty="0" smtClean="0"/>
-              <a:t>Poziva se asinhrono i </a:t>
-            </a:r>
-            <a:r>
-              <a:rPr lang="sr-Latn-RS" b="1" dirty="0" smtClean="0"/>
-              <a:t>ne vraća podatke</a:t>
-            </a:r>
-            <a:r>
-              <a:rPr lang="sr-Latn-RS" dirty="0" smtClean="0"/>
-              <a:t> nego </a:t>
-            </a:r>
-            <a:r>
-              <a:rPr lang="sr-Latn-RS" b="1" dirty="0" smtClean="0"/>
-              <a:t>obećava da će vratiti podatke </a:t>
-            </a:r>
-            <a:r>
-              <a:rPr lang="sr-Latn-RS" dirty="0" smtClean="0"/>
-              <a:t>(u budućnosti)</a:t>
-            </a:r>
-            <a:endParaRPr lang="sr-Latn-RS" dirty="0"/>
-          </a:p>
-          <a:p>
-            <a:r>
-              <a:rPr lang="sr-Latn-RS" dirty="0" smtClean="0"/>
-              <a:t>Vraća </a:t>
-            </a:r>
-            <a:r>
-              <a:rPr lang="sr-Latn-RS" b="1" dirty="0" smtClean="0"/>
-              <a:t>promise objekat</a:t>
-            </a:r>
-          </a:p>
-          <a:p>
-            <a:r>
-              <a:rPr lang="sr-Latn-RS" dirty="0" smtClean="0"/>
-              <a:t>Asinhroni pozivi u Angularu oslanjaju se na </a:t>
-            </a:r>
-            <a:r>
-              <a:rPr lang="sr-Latn-RS" i="1" dirty="0" smtClean="0"/>
-              <a:t>$q servis</a:t>
-            </a:r>
-            <a:r>
-              <a:rPr lang="sr-Latn-RS" dirty="0" smtClean="0"/>
-              <a:t>, </a:t>
-            </a:r>
-            <a:r>
-              <a:rPr lang="sr-Latn-RS" i="1" dirty="0" smtClean="0"/>
-              <a:t>deferred objekte</a:t>
-            </a:r>
-            <a:r>
-              <a:rPr lang="sr-Latn-RS" dirty="0" smtClean="0"/>
-              <a:t> i </a:t>
-            </a:r>
-            <a:r>
-              <a:rPr lang="sr-Latn-RS" i="1" dirty="0" smtClean="0"/>
-              <a:t>promise objekte</a:t>
-            </a:r>
+              <a:t>Šta ovde ne valja?</a:t>
+            </a:r>
+          </a:p>
+          <a:p>
+            <a:pPr marL="0" indent="0" algn="ctr">
+              <a:buNone/>
+            </a:pPr>
+            <a:endParaRPr lang="en-GB" dirty="0"/>
           </a:p>
         </p:txBody>
       </p:sp>
     </p:spTree>
     <p:extLst>
       <p:ext uri="{BB962C8B-B14F-4D97-AF65-F5344CB8AC3E}">
-        <p14:creationId xmlns:p14="http://schemas.microsoft.com/office/powerpoint/2010/main" val="2420048522"/>
+        <p14:creationId xmlns:p14="http://schemas.microsoft.com/office/powerpoint/2010/main" val="2882444678"/>
       </p:ext>
     </p:extLst>
   </p:cSld>
@@ -5589,7 +6063,7 @@
           <a:p>
             <a:r>
               <a:rPr lang="sr-Latn-RS" dirty="0" smtClean="0"/>
-              <a:t>$q servis</a:t>
+              <a:t>Ideja</a:t>
             </a:r>
             <a:endParaRPr lang="en-GB" dirty="0"/>
           </a:p>
@@ -5614,27 +6088,53 @@
           <a:p>
             <a:r>
               <a:rPr lang="sr-Latn-RS" dirty="0" smtClean="0"/>
-              <a:t>Servis koji omogućuje asinhrone pozive funkcija</a:t>
-            </a:r>
-          </a:p>
-          <a:p>
+              <a:t>Rezultat izvršavanja funkcija </a:t>
+            </a:r>
+            <a:r>
+              <a:rPr lang="sr-Latn-RS" b="1" dirty="0">
+                <a:latin typeface="Courier New" panose="02070309020205020404" pitchFamily="49" charset="0"/>
+                <a:cs typeface="Courier New" panose="02070309020205020404" pitchFamily="49" charset="0"/>
+              </a:rPr>
+              <a:t>$scope.user </a:t>
+            </a:r>
             <a:r>
               <a:rPr lang="sr-Latn-RS" dirty="0" smtClean="0"/>
-              <a:t>Vrednosti koje vraćaju ove funkcije ili izuzeci se koriste tek kada ja funkcija završila sa svojom obradom</a:t>
+              <a:t>nije odmah dostupan (metoda se izvršava asinhrono)</a:t>
             </a:r>
           </a:p>
           <a:p>
             <a:r>
               <a:rPr lang="sr-Latn-RS" dirty="0" smtClean="0"/>
-              <a:t>Pomoću $q servisa možemo da kreiramo deferred objekat, koji modeluje odložen završetak izvršavanja funkcije</a:t>
-            </a:r>
+              <a:t>Napraviti objekat koji </a:t>
+            </a:r>
+            <a:r>
+              <a:rPr lang="sr-Latn-RS" b="1" dirty="0" smtClean="0"/>
+              <a:t>predstavlja vrednost koja još uvek nije dostupna</a:t>
+            </a:r>
+            <a:r>
+              <a:rPr lang="sr-Latn-RS" dirty="0" smtClean="0"/>
+              <a:t> - </a:t>
+            </a:r>
+            <a:r>
+              <a:rPr lang="sr-Latn-RS" b="1" dirty="0" smtClean="0"/>
+              <a:t>promise</a:t>
+            </a:r>
+          </a:p>
+          <a:p>
+            <a:r>
+              <a:rPr lang="sr-Latn-RS" dirty="0" smtClean="0"/>
+              <a:t>Kada u budućnosti bude dostupna vrednost, metode promise objekta trebaju da obezbede obradu vrednosti</a:t>
+            </a:r>
+          </a:p>
+          <a:p>
+            <a:endParaRPr lang="en-GB" dirty="0"/>
           </a:p>
         </p:txBody>
       </p:sp>
     </p:spTree>
     <p:extLst>
       <p:ext uri="{BB962C8B-B14F-4D97-AF65-F5344CB8AC3E}">
-        <p14:creationId xmlns:p14="http://schemas.microsoft.com/office/powerpoint/2010/main" val="2111961833"/>
+        <p14:creationId xmlns:p14="http://schemas.microsoft.com/office/powerpoint/2010/main" val="3247790005"/>
       </p:ext>
     </p:extLst>
   </p:cSld>
@@ -5685,7 +6185,7 @@
           <a:p>
             <a:r>
               <a:rPr lang="sr-Latn-RS" dirty="0" smtClean="0"/>
-              <a:t>deferred</a:t>
+              <a:t>Promise</a:t>
             </a:r>
             <a:endParaRPr lang="en-GB" dirty="0"/>
           </a:p>
@@ -5703,40 +6203,21 @@
         </p:nvSpPr>
         <p:spPr/>
         <p:txBody>
-          <a:bodyPr/>
+          <a:bodyPr>
+            <a:normAutofit/>
+          </a:bodyPr>
           <a:lstStyle/>
           <a:p>
             <a:r>
               <a:rPr lang="sr-Latn-RS" dirty="0" smtClean="0"/>
-              <a:t>Objekat koji se dobija pozivom </a:t>
-            </a:r>
-            <a:r>
-              <a:rPr lang="en-GB" dirty="0"/>
-              <a:t>$</a:t>
-            </a:r>
-            <a:r>
-              <a:rPr lang="en-GB" dirty="0" err="1"/>
-              <a:t>q.defer</a:t>
-            </a:r>
-            <a:r>
-              <a:rPr lang="en-GB" dirty="0" smtClean="0"/>
-              <a:t>()</a:t>
-            </a:r>
-            <a:endParaRPr lang="sr-Latn-RS" dirty="0" smtClean="0"/>
+              <a:t>Promise je proksi za vrednost koja u ovom trenutku nije dostupna </a:t>
+            </a:r>
           </a:p>
           <a:p>
             <a:r>
               <a:rPr lang="sr-Latn-RS" dirty="0" smtClean="0"/>
-              <a:t>Omogućuje kreiranje promise objekta </a:t>
-            </a:r>
-          </a:p>
-          <a:p>
-            <a:r>
-              <a:rPr lang="sr-Latn-RS" dirty="0" smtClean="0"/>
-              <a:t>Nudi API kroz koji se promise objektu signalizira da je aktivnost završena uspešno ili neuspešno</a:t>
-            </a:r>
-          </a:p>
-          <a:p>
+              <a:t>Interfejs objekta promise nam omogućuje da konzistentno manipulišemo tom vrednošću, bez obzira što je u ovom trenutku nemamo ili čak što se ispostavilo da nije dostupna</a:t>
+            </a:r>
             <a:endParaRPr lang="en-GB" dirty="0"/>
           </a:p>
         </p:txBody>
@@ -5744,7 +6225,7 @@
     </p:spTree>
     <p:extLst>
       <p:ext uri="{BB962C8B-B14F-4D97-AF65-F5344CB8AC3E}">
-        <p14:creationId xmlns:p14="http://schemas.microsoft.com/office/powerpoint/2010/main" val="297763654"/>
+        <p14:creationId xmlns:p14="http://schemas.microsoft.com/office/powerpoint/2010/main" val="2502249148"/>
       </p:ext>
     </p:extLst>
   </p:cSld>
@@ -6320,12 +6801,16 @@
               <a:t>web </a:t>
             </a:r>
             <a:r>
-              <a:rPr lang="en-GB" dirty="0" err="1"/>
-              <a:t>servisom</a:t>
-            </a:r>
-            <a:r>
-              <a:rPr lang="en-GB" dirty="0"/>
-              <a:t> u </a:t>
+              <a:rPr lang="en-GB" dirty="0" err="1" smtClean="0"/>
+              <a:t>servisima</a:t>
+            </a:r>
+            <a:r>
+              <a:rPr lang="en-GB" dirty="0" smtClean="0"/>
+              <a:t> </a:t>
+            </a:r>
+            <a:r>
+              <a:rPr lang="en-GB" dirty="0"/>
+              <a:t>u </a:t>
             </a:r>
             <a:r>
               <a:rPr lang="en-GB" dirty="0" err="1" smtClean="0"/>
@@ -6397,7 +6882,7 @@
           <a:p>
             <a:r>
               <a:rPr lang="sr-Latn-RS" dirty="0" smtClean="0"/>
-              <a:t>deferred API</a:t>
+              <a:t>$http.get()</a:t>
             </a:r>
             <a:endParaRPr lang="en-GB" dirty="0"/>
           </a:p>
@@ -6415,84 +6900,77 @@
         </p:nvSpPr>
         <p:spPr/>
         <p:txBody>
-          <a:bodyPr>
-            <a:normAutofit lnSpcReduction="10000"/>
-          </a:bodyPr>
+          <a:bodyPr/>
           <a:lstStyle/>
           <a:p>
             <a:r>
-              <a:rPr lang="en-GB" b="1" dirty="0">
-                <a:latin typeface="Courier New" panose="02070309020205020404" pitchFamily="49" charset="0"/>
-                <a:cs typeface="Courier New" panose="02070309020205020404" pitchFamily="49" charset="0"/>
-              </a:rPr>
-              <a:t>resolve(value)</a:t>
-            </a:r>
-            <a:r>
-              <a:rPr lang="en-GB" dirty="0"/>
-              <a:t> – </a:t>
-            </a:r>
-            <a:r>
               <a:rPr lang="sr-Latn-RS" dirty="0" smtClean="0"/>
-              <a:t>razrešava izvedeni promise objekat i postavlja mu vrednost </a:t>
-            </a:r>
-            <a:r>
-              <a:rPr lang="sr-Latn-RS" dirty="0" smtClean="0">
-                <a:latin typeface="Courier New" panose="02070309020205020404" pitchFamily="49" charset="0"/>
-                <a:cs typeface="Courier New" panose="02070309020205020404" pitchFamily="49" charset="0"/>
-              </a:rPr>
-              <a:t>value</a:t>
-            </a:r>
-            <a:r>
-              <a:rPr lang="en-GB" dirty="0" smtClean="0"/>
-              <a:t>. </a:t>
-            </a:r>
-            <a:endParaRPr lang="sr-Latn-RS" dirty="0" smtClean="0"/>
-          </a:p>
-          <a:p>
-            <a:r>
-              <a:rPr lang="en-GB" sz="2900" b="1" dirty="0">
-                <a:latin typeface="Courier New" panose="02070309020205020404" pitchFamily="49" charset="0"/>
-                <a:cs typeface="Courier New" panose="02070309020205020404" pitchFamily="49" charset="0"/>
-              </a:rPr>
-              <a:t>reject(reason)</a:t>
-            </a:r>
-            <a:r>
-              <a:rPr lang="en-GB" dirty="0"/>
-              <a:t> – </a:t>
+              <a:t>Poziva se asinhrono i </a:t>
+            </a:r>
+            <a:r>
+              <a:rPr lang="sr-Latn-RS" b="1" dirty="0" smtClean="0"/>
+              <a:t>ne vraća podatke</a:t>
             </a:r>
             <a:r>
               <a:rPr lang="sr-Latn-RS" dirty="0" smtClean="0"/>
-              <a:t>odbacuje (neuspešno razrešava) izvedeni promise objekat uz navođene razloga.</a:t>
-            </a:r>
-            <a:endParaRPr lang="en-GB" dirty="0"/>
-          </a:p>
-          <a:p>
-            <a:r>
-              <a:rPr lang="en-GB" sz="2700" b="1" dirty="0">
-                <a:latin typeface="Courier New" panose="02070309020205020404" pitchFamily="49" charset="0"/>
-                <a:cs typeface="Courier New" panose="02070309020205020404" pitchFamily="49" charset="0"/>
-              </a:rPr>
-              <a:t>notify(value)</a:t>
-            </a:r>
-            <a:r>
-              <a:rPr lang="en-GB" dirty="0"/>
-              <a:t> - </a:t>
+              <a:t> nego </a:t>
+            </a:r>
+            <a:r>
+              <a:rPr lang="sr-Latn-RS" b="1" dirty="0" smtClean="0"/>
+              <a:t>obećava da će vratiti podatke </a:t>
             </a:r>
             <a:r>
               <a:rPr lang="sr-Latn-RS" dirty="0" smtClean="0"/>
-              <a:t>pruža obaveštenja o status izvršavanja. Može se pozvati više puta pre nego što se promise objekat razreši.</a:t>
-            </a:r>
-            <a:endParaRPr lang="en-GB" dirty="0"/>
-          </a:p>
-          <a:p>
-            <a:endParaRPr lang="en-GB" dirty="0"/>
+              <a:t>(u budućnosti)</a:t>
+            </a:r>
+            <a:endParaRPr lang="sr-Latn-RS" dirty="0"/>
+          </a:p>
+          <a:p>
+            <a:r>
+              <a:rPr lang="sr-Latn-RS" dirty="0" smtClean="0"/>
+              <a:t>Vraća </a:t>
+            </a:r>
+            <a:r>
+              <a:rPr lang="sr-Latn-RS" b="1" dirty="0" smtClean="0"/>
+              <a:t>promise objekat</a:t>
+            </a:r>
+          </a:p>
+          <a:p>
+            <a:r>
+              <a:rPr lang="sr-Latn-RS" dirty="0" smtClean="0"/>
+              <a:t>Ovakva manipulacija asinhronim pozivima </a:t>
+            </a:r>
+            <a:r>
+              <a:rPr lang="sr-Latn-RS" dirty="0" smtClean="0"/>
+              <a:t>u Angularu oslanjaju se na </a:t>
+            </a:r>
+            <a:r>
+              <a:rPr lang="sr-Latn-RS" i="1" dirty="0" smtClean="0"/>
+              <a:t>$q servis</a:t>
+            </a:r>
+            <a:r>
+              <a:rPr lang="sr-Latn-RS" dirty="0" smtClean="0"/>
+              <a:t>, </a:t>
+            </a:r>
+            <a:r>
+              <a:rPr lang="sr-Latn-RS" i="1" dirty="0" smtClean="0"/>
+              <a:t>deferred objekte</a:t>
+            </a:r>
+            <a:r>
+              <a:rPr lang="sr-Latn-RS" dirty="0" smtClean="0"/>
+              <a:t> i </a:t>
+            </a:r>
+            <a:r>
+              <a:rPr lang="sr-Latn-RS" i="1" dirty="0" smtClean="0"/>
+              <a:t>promise objekte</a:t>
+            </a:r>
           </a:p>
         </p:txBody>
       </p:sp>
     </p:spTree>
     <p:extLst>
       <p:ext uri="{BB962C8B-B14F-4D97-AF65-F5344CB8AC3E}">
-        <p14:creationId xmlns:p14="http://schemas.microsoft.com/office/powerpoint/2010/main" val="4078225113"/>
+        <p14:creationId xmlns:p14="http://schemas.microsoft.com/office/powerpoint/2010/main" val="2420048522"/>
       </p:ext>
     </p:extLst>
   </p:cSld>
@@ -6543,7 +7021,7 @@
           <a:p>
             <a:r>
               <a:rPr lang="sr-Latn-RS" dirty="0" smtClean="0"/>
-              <a:t>promise</a:t>
+              <a:t>$q servis</a:t>
             </a:r>
             <a:endParaRPr lang="en-GB" dirty="0"/>
           </a:p>
@@ -6561,40 +7039,55 @@
         </p:nvSpPr>
         <p:spPr/>
         <p:txBody>
-          <a:bodyPr/>
+          <a:bodyPr>
+            <a:normAutofit/>
+          </a:bodyPr>
           <a:lstStyle/>
           <a:p>
             <a:r>
               <a:rPr lang="sr-Latn-RS" dirty="0" smtClean="0"/>
-              <a:t>Objekat koji se dobije od deferred objekta, pozivom </a:t>
-            </a:r>
-            <a:r>
-              <a:rPr lang="en-GB" dirty="0" err="1" smtClean="0">
-                <a:latin typeface="Courier New" panose="02070309020205020404" pitchFamily="49" charset="0"/>
-                <a:cs typeface="Courier New" panose="02070309020205020404" pitchFamily="49" charset="0"/>
-              </a:rPr>
-              <a:t>deferred.promise</a:t>
-            </a:r>
-            <a:endParaRPr lang="sr-Latn-RS" sz="2700" dirty="0" smtClean="0">
-              <a:latin typeface="Courier New" panose="02070309020205020404" pitchFamily="49" charset="0"/>
-              <a:cs typeface="Courier New" panose="02070309020205020404" pitchFamily="49" charset="0"/>
-            </a:endParaRPr>
-          </a:p>
-          <a:p>
+              <a:t>Servis koji omogućuje </a:t>
+            </a:r>
             <a:r>
               <a:rPr lang="sr-Latn-RS" dirty="0" smtClean="0"/>
-              <a:t>Omogućuje da se pristupi rezultatima odložene aktivnosti nakon završetka (u slučaju resolve ili reject) ili u toku (notify)</a:t>
-            </a:r>
-          </a:p>
-          <a:p>
-            <a:endParaRPr lang="en-GB" dirty="0"/>
+              <a:t>korišćenje promise objekata u asinhronim pozivima</a:t>
+            </a:r>
+            <a:endParaRPr lang="sr-Latn-RS" dirty="0" smtClean="0"/>
+          </a:p>
+          <a:p>
+            <a:r>
+              <a:rPr lang="sr-Latn-RS" dirty="0" smtClean="0"/>
+              <a:t>Vrednosti koje vraćaju ove funkcije ili izuzeci se koriste tek kada ja funkcija završila sa svojom obradom</a:t>
+            </a:r>
+          </a:p>
+          <a:p>
+            <a:r>
+              <a:rPr lang="sr-Latn-RS" dirty="0" smtClean="0"/>
+              <a:t>Pomoću $q servisa možemo da kreiramo </a:t>
+            </a:r>
+            <a:r>
+              <a:rPr lang="sr-Latn-RS" i="1" dirty="0" smtClean="0"/>
+              <a:t>deferred</a:t>
+            </a:r>
+            <a:r>
+              <a:rPr lang="sr-Latn-RS" dirty="0" smtClean="0"/>
+              <a:t> objekat, koji modeluje </a:t>
+            </a:r>
+            <a:r>
+              <a:rPr lang="sr-Latn-RS" b="1" dirty="0" smtClean="0"/>
+              <a:t>odloženi </a:t>
+            </a:r>
+            <a:r>
+              <a:rPr lang="sr-Latn-RS" b="1" dirty="0" smtClean="0"/>
+              <a:t>završetak izvršavanja funkcije</a:t>
+            </a:r>
           </a:p>
         </p:txBody>
       </p:sp>
     </p:spTree>
     <p:extLst>
       <p:ext uri="{BB962C8B-B14F-4D97-AF65-F5344CB8AC3E}">
-        <p14:creationId xmlns:p14="http://schemas.microsoft.com/office/powerpoint/2010/main" val="693905591"/>
+        <p14:creationId xmlns:p14="http://schemas.microsoft.com/office/powerpoint/2010/main" val="2111961833"/>
       </p:ext>
     </p:extLst>
   </p:cSld>
@@ -6645,7 +7138,7 @@
           <a:p>
             <a:r>
               <a:rPr lang="sr-Latn-RS" dirty="0" smtClean="0"/>
-              <a:t>Promise API</a:t>
+              <a:t>deferred</a:t>
             </a:r>
             <a:endParaRPr lang="en-GB" dirty="0"/>
           </a:p>
@@ -6663,30 +7156,607 @@
         </p:nvSpPr>
         <p:spPr/>
         <p:txBody>
+          <a:bodyPr/>
+          <a:lstStyle/>
+          <a:p>
+            <a:r>
+              <a:rPr lang="sr-Latn-RS" dirty="0" smtClean="0"/>
+              <a:t>Objekat koji se dobija pozivom </a:t>
+            </a:r>
+            <a:r>
+              <a:rPr lang="en-GB" dirty="0"/>
+              <a:t>$</a:t>
+            </a:r>
+            <a:r>
+              <a:rPr lang="en-GB" dirty="0" err="1"/>
+              <a:t>q.defer</a:t>
+            </a:r>
+            <a:r>
+              <a:rPr lang="en-GB" dirty="0" smtClean="0"/>
+              <a:t>()</a:t>
+            </a:r>
+            <a:endParaRPr lang="sr-Latn-RS" dirty="0" smtClean="0"/>
+          </a:p>
+          <a:p>
+            <a:r>
+              <a:rPr lang="sr-Latn-RS" dirty="0" smtClean="0"/>
+              <a:t>Omogućuje kreiranje promise objekta </a:t>
+            </a:r>
+          </a:p>
+          <a:p>
+            <a:r>
+              <a:rPr lang="sr-Latn-RS" dirty="0" smtClean="0"/>
+              <a:t>Nudi API kroz koji se promise objektu signalizira da je aktivnost završena uspešno ili neuspešno</a:t>
+            </a:r>
+          </a:p>
+          <a:p>
+            <a:endParaRPr lang="en-GB" dirty="0"/>
+          </a:p>
+        </p:txBody>
+      </p:sp>
+    </p:spTree>
+    <p:extLst>
+      <p:ext uri="{BB962C8B-B14F-4D97-AF65-F5344CB8AC3E}">
+        <p14:creationId xmlns:p14="http://schemas.microsoft.com/office/powerpoint/2010/main" val="297763654"/>
+      </p:ext>
+    </p:extLst>
+  </p:cSld>
+  <p:clrMapOvr>
+    <a:masterClrMapping/>
+  </p:clrMapOvr>
+  <p:timing>
+    <p:tnLst>
+      <p:par>
+        <p:cTn id="1" dur="indefinite" restart="never" nodeType="tmRoot"/>
+      </p:par>
+    </p:tnLst>
+  </p:timing>
+</p:sld>
+</file>
+
+<file path=ppt/slides/slide23.xml><?xml version="1.0" encoding="utf-8"?>
+<p:sld xmlns:a="http://schemas.openxmlformats.org/drawingml/2006/main" xmlns:r="http://schemas.openxmlformats.org/officeDocument/2006/relationships" xmlns:p="http://schemas.openxmlformats.org/presentationml/2006/main">
+  <p:cSld>
+    <p:spTree>
+      <p:nvGrpSpPr>
+        <p:cNvPr id="1" name=""/>
+        <p:cNvGrpSpPr/>
+        <p:nvPr/>
+      </p:nvGrpSpPr>
+      <p:grpSpPr>
+        <a:xfrm>
+          <a:off x="0" y="0"/>
+          <a:ext cx="0" cy="0"/>
+          <a:chOff x="0" y="0"/>
+          <a:chExt cx="0" cy="0"/>
+        </a:xfrm>
+      </p:grpSpPr>
+      <p:sp>
+        <p:nvSpPr>
+          <p:cNvPr id="2" name="Title 1"/>
+          <p:cNvSpPr>
+            <a:spLocks noGrp="1"/>
+          </p:cNvSpPr>
+          <p:nvPr>
+            <p:ph type="title"/>
+          </p:nvPr>
+        </p:nvSpPr>
+        <p:spPr/>
+        <p:txBody>
+          <a:bodyPr/>
+          <a:lstStyle/>
+          <a:p>
+            <a:r>
+              <a:rPr lang="sr-Latn-RS" dirty="0" smtClean="0"/>
+              <a:t>deferred API</a:t>
+            </a:r>
+            <a:endParaRPr lang="en-GB" dirty="0"/>
+          </a:p>
+        </p:txBody>
+      </p:sp>
+      <p:sp>
+        <p:nvSpPr>
+          <p:cNvPr id="3" name="Content Placeholder 2"/>
+          <p:cNvSpPr>
+            <a:spLocks noGrp="1"/>
+          </p:cNvSpPr>
+          <p:nvPr>
+            <p:ph idx="1"/>
+          </p:nvPr>
+        </p:nvSpPr>
+        <p:spPr/>
+        <p:txBody>
           <a:bodyPr>
-            <a:normAutofit fontScale="77500" lnSpcReduction="20000"/>
+            <a:normAutofit lnSpcReduction="10000"/>
           </a:bodyPr>
           <a:lstStyle/>
           <a:p>
             <a:r>
+              <a:rPr lang="en-GB" b="1" dirty="0">
+                <a:latin typeface="Courier New" panose="02070309020205020404" pitchFamily="49" charset="0"/>
+                <a:cs typeface="Courier New" panose="02070309020205020404" pitchFamily="49" charset="0"/>
+              </a:rPr>
+              <a:t>resolve(value)</a:t>
+            </a:r>
+            <a:r>
+              <a:rPr lang="en-GB" dirty="0"/>
+              <a:t> – </a:t>
+            </a:r>
+            <a:r>
+              <a:rPr lang="sr-Latn-RS" dirty="0" smtClean="0"/>
+              <a:t>razrešava izvedeni promise objekat i postavlja mu vrednost </a:t>
+            </a:r>
+            <a:r>
+              <a:rPr lang="sr-Latn-RS" dirty="0" smtClean="0">
+                <a:latin typeface="Courier New" panose="02070309020205020404" pitchFamily="49" charset="0"/>
+                <a:cs typeface="Courier New" panose="02070309020205020404" pitchFamily="49" charset="0"/>
+              </a:rPr>
+              <a:t>value</a:t>
+            </a:r>
+            <a:r>
+              <a:rPr lang="en-GB" dirty="0" smtClean="0"/>
+              <a:t>. </a:t>
+            </a:r>
+            <a:endParaRPr lang="sr-Latn-RS" dirty="0" smtClean="0"/>
+          </a:p>
+          <a:p>
+            <a:r>
+              <a:rPr lang="en-GB" sz="2900" b="1" dirty="0">
+                <a:latin typeface="Courier New" panose="02070309020205020404" pitchFamily="49" charset="0"/>
+                <a:cs typeface="Courier New" panose="02070309020205020404" pitchFamily="49" charset="0"/>
+              </a:rPr>
+              <a:t>reject(reason)</a:t>
+            </a:r>
+            <a:r>
+              <a:rPr lang="en-GB" dirty="0"/>
+              <a:t> – </a:t>
+            </a:r>
+            <a:r>
+              <a:rPr lang="sr-Latn-RS" dirty="0" smtClean="0"/>
+              <a:t>odbacuje (neuspešno razrešava) izvedeni promise objekat uz navođene razloga.</a:t>
+            </a:r>
+            <a:endParaRPr lang="en-GB" dirty="0"/>
+          </a:p>
+          <a:p>
+            <a:r>
+              <a:rPr lang="en-GB" sz="2700" b="1" dirty="0">
+                <a:latin typeface="Courier New" panose="02070309020205020404" pitchFamily="49" charset="0"/>
+                <a:cs typeface="Courier New" panose="02070309020205020404" pitchFamily="49" charset="0"/>
+              </a:rPr>
+              <a:t>notify(value)</a:t>
+            </a:r>
+            <a:r>
+              <a:rPr lang="en-GB" dirty="0"/>
+              <a:t> - </a:t>
+            </a:r>
+            <a:r>
+              <a:rPr lang="sr-Latn-RS" dirty="0" smtClean="0"/>
+              <a:t>obaveštava promise </a:t>
+            </a:r>
+            <a:r>
+              <a:rPr lang="sr-Latn-RS" dirty="0" smtClean="0"/>
+              <a:t>o status izvršavanja. Može se pozvati više puta pre nego što se promise objekat razreši.</a:t>
+            </a:r>
+            <a:endParaRPr lang="en-GB" dirty="0"/>
+          </a:p>
+          <a:p>
+            <a:endParaRPr lang="en-GB" dirty="0"/>
+          </a:p>
+        </p:txBody>
+      </p:sp>
+    </p:spTree>
+    <p:extLst>
+      <p:ext uri="{BB962C8B-B14F-4D97-AF65-F5344CB8AC3E}">
+        <p14:creationId xmlns:p14="http://schemas.microsoft.com/office/powerpoint/2010/main" val="4078225113"/>
+      </p:ext>
+    </p:extLst>
+  </p:cSld>
+  <p:clrMapOvr>
+    <a:masterClrMapping/>
+  </p:clrMapOvr>
+  <p:timing>
+    <p:tnLst>
+      <p:par>
+        <p:cTn id="1" dur="indefinite" restart="never" nodeType="tmRoot"/>
+      </p:par>
+    </p:tnLst>
+  </p:timing>
+</p:sld>
+</file>
+
+<file path=ppt/slides/slide24.xml><?xml version="1.0" encoding="utf-8"?>
+<p:sld xmlns:a="http://schemas.openxmlformats.org/drawingml/2006/main" xmlns:r="http://schemas.openxmlformats.org/officeDocument/2006/relationships" xmlns:p="http://schemas.openxmlformats.org/presentationml/2006/main">
+  <p:cSld>
+    <p:spTree>
+      <p:nvGrpSpPr>
+        <p:cNvPr id="1" name=""/>
+        <p:cNvGrpSpPr/>
+        <p:nvPr/>
+      </p:nvGrpSpPr>
+      <p:grpSpPr>
+        <a:xfrm>
+          <a:off x="0" y="0"/>
+          <a:ext cx="0" cy="0"/>
+          <a:chOff x="0" y="0"/>
+          <a:chExt cx="0" cy="0"/>
+        </a:xfrm>
+      </p:grpSpPr>
+      <p:sp>
+        <p:nvSpPr>
+          <p:cNvPr id="2" name="Title 1"/>
+          <p:cNvSpPr>
+            <a:spLocks noGrp="1"/>
+          </p:cNvSpPr>
+          <p:nvPr>
+            <p:ph type="title"/>
+          </p:nvPr>
+        </p:nvSpPr>
+        <p:spPr/>
+        <p:txBody>
+          <a:bodyPr/>
+          <a:lstStyle/>
+          <a:p>
+            <a:r>
+              <a:rPr lang="sr-Latn-RS" dirty="0" smtClean="0"/>
+              <a:t>promise</a:t>
+            </a:r>
+            <a:endParaRPr lang="en-GB" dirty="0"/>
+          </a:p>
+        </p:txBody>
+      </p:sp>
+      <p:sp>
+        <p:nvSpPr>
+          <p:cNvPr id="3" name="Content Placeholder 2"/>
+          <p:cNvSpPr>
+            <a:spLocks noGrp="1"/>
+          </p:cNvSpPr>
+          <p:nvPr>
+            <p:ph idx="1"/>
+          </p:nvPr>
+        </p:nvSpPr>
+        <p:spPr/>
+        <p:txBody>
+          <a:bodyPr/>
+          <a:lstStyle/>
+          <a:p>
+            <a:r>
+              <a:rPr lang="sr-Latn-RS" dirty="0" smtClean="0"/>
+              <a:t>Objekat koji se dobije od deferred objekta, pozivom </a:t>
+            </a:r>
+            <a:r>
+              <a:rPr lang="en-GB" dirty="0" err="1" smtClean="0">
+                <a:latin typeface="Courier New" panose="02070309020205020404" pitchFamily="49" charset="0"/>
+                <a:cs typeface="Courier New" panose="02070309020205020404" pitchFamily="49" charset="0"/>
+              </a:rPr>
+              <a:t>deferred.promise</a:t>
+            </a:r>
+            <a:endParaRPr lang="sr-Latn-RS" sz="2700" dirty="0" smtClean="0">
+              <a:latin typeface="Courier New" panose="02070309020205020404" pitchFamily="49" charset="0"/>
+              <a:cs typeface="Courier New" panose="02070309020205020404" pitchFamily="49" charset="0"/>
+            </a:endParaRPr>
+          </a:p>
+          <a:p>
+            <a:r>
+              <a:rPr lang="sr-Latn-RS" dirty="0" smtClean="0"/>
+              <a:t>Omogućuje da se pristupi rezultatima odložene aktivnosti nakon završetka (u slučaju resolve ili reject) ili u toku (notify)</a:t>
+            </a:r>
+          </a:p>
+          <a:p>
+            <a:endParaRPr lang="en-GB" dirty="0"/>
+          </a:p>
+        </p:txBody>
+      </p:sp>
+    </p:spTree>
+    <p:extLst>
+      <p:ext uri="{BB962C8B-B14F-4D97-AF65-F5344CB8AC3E}">
+        <p14:creationId xmlns:p14="http://schemas.microsoft.com/office/powerpoint/2010/main" val="693905591"/>
+      </p:ext>
+    </p:extLst>
+  </p:cSld>
+  <p:clrMapOvr>
+    <a:masterClrMapping/>
+  </p:clrMapOvr>
+  <p:timing>
+    <p:tnLst>
+      <p:par>
+        <p:cTn id="1" dur="indefinite" restart="never" nodeType="tmRoot"/>
+      </p:par>
+    </p:tnLst>
+  </p:timing>
+</p:sld>
+</file>
+
+<file path=ppt/slides/slide25.xml><?xml version="1.0" encoding="utf-8"?>
+<p:sld xmlns:a="http://schemas.openxmlformats.org/drawingml/2006/main" xmlns:r="http://schemas.openxmlformats.org/officeDocument/2006/relationships" xmlns:p="http://schemas.openxmlformats.org/presentationml/2006/main">
+  <p:cSld>
+    <p:spTree>
+      <p:nvGrpSpPr>
+        <p:cNvPr id="1" name=""/>
+        <p:cNvGrpSpPr/>
+        <p:nvPr/>
+      </p:nvGrpSpPr>
+      <p:grpSpPr>
+        <a:xfrm>
+          <a:off x="0" y="0"/>
+          <a:ext cx="0" cy="0"/>
+          <a:chOff x="0" y="0"/>
+          <a:chExt cx="0" cy="0"/>
+        </a:xfrm>
+      </p:grpSpPr>
+      <p:sp>
+        <p:nvSpPr>
+          <p:cNvPr id="2" name="Title 1"/>
+          <p:cNvSpPr>
+            <a:spLocks noGrp="1"/>
+          </p:cNvSpPr>
+          <p:nvPr>
+            <p:ph type="title"/>
+          </p:nvPr>
+        </p:nvSpPr>
+        <p:spPr/>
+        <p:txBody>
+          <a:bodyPr/>
+          <a:lstStyle/>
+          <a:p>
+            <a:r>
+              <a:rPr lang="sr-Latn-RS" dirty="0" smtClean="0"/>
+              <a:t>Promise API</a:t>
+            </a:r>
+            <a:endParaRPr lang="en-GB" dirty="0"/>
+          </a:p>
+        </p:txBody>
+      </p:sp>
+      <p:sp>
+        <p:nvSpPr>
+          <p:cNvPr id="3" name="Content Placeholder 2"/>
+          <p:cNvSpPr>
+            <a:spLocks noGrp="1"/>
+          </p:cNvSpPr>
+          <p:nvPr>
+            <p:ph idx="1"/>
+          </p:nvPr>
+        </p:nvSpPr>
+        <p:spPr/>
+        <p:txBody>
+          <a:bodyPr>
+            <a:normAutofit fontScale="70000" lnSpcReduction="20000"/>
+          </a:bodyPr>
+          <a:lstStyle/>
+          <a:p>
+            <a:r>
+              <a:rPr lang="en-GB" sz="3100" b="1" dirty="0" smtClean="0">
+                <a:latin typeface="Courier New" panose="02070309020205020404" pitchFamily="49" charset="0"/>
+                <a:cs typeface="Courier New" panose="02070309020205020404" pitchFamily="49" charset="0"/>
+              </a:rPr>
+              <a:t>then(</a:t>
+            </a:r>
+            <a:r>
+              <a:rPr lang="en-GB" sz="3100" b="1" dirty="0" err="1" smtClean="0">
+                <a:latin typeface="Courier New" panose="02070309020205020404" pitchFamily="49" charset="0"/>
+                <a:cs typeface="Courier New" panose="02070309020205020404" pitchFamily="49" charset="0"/>
+              </a:rPr>
+              <a:t>successC</a:t>
+            </a:r>
+            <a:r>
+              <a:rPr lang="sr-Latn-RS" sz="3100" b="1" dirty="0" smtClean="0">
+                <a:latin typeface="Courier New" panose="02070309020205020404" pitchFamily="49" charset="0"/>
+                <a:cs typeface="Courier New" panose="02070309020205020404" pitchFamily="49" charset="0"/>
+              </a:rPr>
+              <a:t>lbck</a:t>
+            </a:r>
+            <a:r>
+              <a:rPr lang="en-GB" sz="3100" b="1" dirty="0" smtClean="0">
+                <a:latin typeface="Courier New" panose="02070309020205020404" pitchFamily="49" charset="0"/>
+                <a:cs typeface="Courier New" panose="02070309020205020404" pitchFamily="49" charset="0"/>
+              </a:rPr>
+              <a:t>,</a:t>
+            </a:r>
+            <a:r>
+              <a:rPr lang="en-GB" sz="3100" b="1" dirty="0" err="1" smtClean="0">
+                <a:latin typeface="Courier New" panose="02070309020205020404" pitchFamily="49" charset="0"/>
+                <a:cs typeface="Courier New" panose="02070309020205020404" pitchFamily="49" charset="0"/>
+              </a:rPr>
+              <a:t>errorC</a:t>
+            </a:r>
+            <a:r>
+              <a:rPr lang="sr-Latn-RS" sz="3100" b="1" dirty="0" smtClean="0">
+                <a:latin typeface="Courier New" panose="02070309020205020404" pitchFamily="49" charset="0"/>
+                <a:cs typeface="Courier New" panose="02070309020205020404" pitchFamily="49" charset="0"/>
+              </a:rPr>
+              <a:t>lbck</a:t>
+            </a:r>
+            <a:r>
+              <a:rPr lang="en-GB" sz="3100" b="1" dirty="0" smtClean="0">
+                <a:latin typeface="Courier New" panose="02070309020205020404" pitchFamily="49" charset="0"/>
+                <a:cs typeface="Courier New" panose="02070309020205020404" pitchFamily="49" charset="0"/>
+              </a:rPr>
+              <a:t>,</a:t>
+            </a:r>
+            <a:r>
+              <a:rPr lang="en-GB" sz="3100" b="1" dirty="0" err="1" smtClean="0">
+                <a:latin typeface="Courier New" panose="02070309020205020404" pitchFamily="49" charset="0"/>
+                <a:cs typeface="Courier New" panose="02070309020205020404" pitchFamily="49" charset="0"/>
+              </a:rPr>
+              <a:t>notifyC</a:t>
+            </a:r>
+            <a:r>
+              <a:rPr lang="sr-Latn-RS" sz="3100" b="1" dirty="0" smtClean="0">
+                <a:latin typeface="Courier New" panose="02070309020205020404" pitchFamily="49" charset="0"/>
+                <a:cs typeface="Courier New" panose="02070309020205020404" pitchFamily="49" charset="0"/>
+              </a:rPr>
+              <a:t>lbck</a:t>
+            </a:r>
+            <a:r>
+              <a:rPr lang="en-GB" sz="3100" b="1" dirty="0" smtClean="0">
+                <a:latin typeface="Courier New" panose="02070309020205020404" pitchFamily="49" charset="0"/>
+                <a:cs typeface="Courier New" panose="02070309020205020404" pitchFamily="49" charset="0"/>
+              </a:rPr>
+              <a:t>)</a:t>
+            </a:r>
+            <a:r>
+              <a:rPr lang="en-GB" dirty="0" smtClean="0"/>
+              <a:t> </a:t>
+            </a:r>
+            <a:endParaRPr lang="sr-Latn-RS" dirty="0" smtClean="0"/>
+          </a:p>
+          <a:p>
+            <a:pPr lvl="1"/>
+            <a:r>
+              <a:rPr lang="sr-Latn-RS" dirty="0" smtClean="0"/>
+              <a:t>nakon </a:t>
+            </a:r>
+            <a:r>
+              <a:rPr lang="sr-Latn-RS" dirty="0" smtClean="0"/>
+              <a:t>što se </a:t>
+            </a:r>
+            <a:r>
+              <a:rPr lang="sr-Latn-RS" dirty="0" smtClean="0"/>
+              <a:t>primise </a:t>
+            </a:r>
+            <a:r>
+              <a:rPr lang="sr-Latn-RS" b="1" dirty="0" smtClean="0"/>
+              <a:t>razreši</a:t>
+            </a:r>
+            <a:r>
+              <a:rPr lang="sr-Latn-RS" dirty="0" smtClean="0"/>
+              <a:t> ili pozove </a:t>
+            </a:r>
+            <a:r>
+              <a:rPr lang="sr-Latn-RS" b="1" dirty="0" smtClean="0"/>
+              <a:t>notify</a:t>
+            </a:r>
+            <a:r>
+              <a:rPr lang="sr-Latn-RS" dirty="0" smtClean="0"/>
+              <a:t>, poziva se jedna </a:t>
+            </a:r>
+            <a:r>
+              <a:rPr lang="sr-Latn-RS" dirty="0" smtClean="0"/>
+              <a:t>od callback </a:t>
+            </a:r>
+            <a:r>
+              <a:rPr lang="sr-Latn-RS" dirty="0" smtClean="0"/>
+              <a:t>funkcija koje su prosleđene kao parametri. </a:t>
+            </a:r>
+            <a:endParaRPr lang="sr-Latn-RS" dirty="0" smtClean="0"/>
+          </a:p>
+          <a:p>
+            <a:pPr lvl="1"/>
+            <a:r>
+              <a:rPr lang="sr-Latn-RS" dirty="0" smtClean="0"/>
+              <a:t>Callback </a:t>
+            </a:r>
+            <a:r>
+              <a:rPr lang="sr-Latn-RS" dirty="0" smtClean="0"/>
+              <a:t>funkcije se pozivaju sa po jednim argumentom: rezultatom ili razlogom neuspeha. </a:t>
+            </a:r>
+            <a:endParaRPr lang="sr-Latn-RS" dirty="0" smtClean="0"/>
+          </a:p>
+          <a:p>
+            <a:pPr lvl="1"/>
+            <a:r>
+              <a:rPr lang="sr-Latn-RS" dirty="0" smtClean="0"/>
+              <a:t>notifyCallback </a:t>
+            </a:r>
+            <a:r>
+              <a:rPr lang="sr-Latn-RS" dirty="0" smtClean="0"/>
+              <a:t>se poziva nula ili više puta – svaki put kada se pozove notify u diferred objektu – pre nego što se promise razreši.</a:t>
+            </a:r>
+            <a:endParaRPr lang="en-GB" dirty="0"/>
+          </a:p>
+          <a:p>
+            <a:r>
               <a:rPr lang="en-GB" sz="3100" b="1" dirty="0">
                 <a:latin typeface="Courier New" panose="02070309020205020404" pitchFamily="49" charset="0"/>
                 <a:cs typeface="Courier New" panose="02070309020205020404" pitchFamily="49" charset="0"/>
               </a:rPr>
-              <a:t>then(</a:t>
+              <a:t>catch(</a:t>
             </a:r>
             <a:r>
               <a:rPr lang="en-GB" sz="3100" b="1" dirty="0" err="1">
                 <a:latin typeface="Courier New" panose="02070309020205020404" pitchFamily="49" charset="0"/>
                 <a:cs typeface="Courier New" panose="02070309020205020404" pitchFamily="49" charset="0"/>
               </a:rPr>
-              <a:t>successCallback</a:t>
-            </a:r>
+              <a:t>errorCallback</a:t>
+            </a:r>
+            <a:r>
+              <a:rPr lang="en-GB" sz="3100" b="1" dirty="0" smtClean="0">
+                <a:latin typeface="Courier New" panose="02070309020205020404" pitchFamily="49" charset="0"/>
+                <a:cs typeface="Courier New" panose="02070309020205020404" pitchFamily="49" charset="0"/>
+              </a:rPr>
+              <a:t>)</a:t>
+            </a:r>
+            <a:endParaRPr lang="sr-Latn-RS" dirty="0" smtClean="0"/>
+          </a:p>
+          <a:p>
+            <a:pPr lvl="1"/>
+            <a:r>
+              <a:rPr lang="sr-Latn-RS" dirty="0" smtClean="0"/>
+              <a:t>skraćena </a:t>
+            </a:r>
+            <a:r>
+              <a:rPr lang="sr-Latn-RS" dirty="0" smtClean="0"/>
+              <a:t>notacija za</a:t>
+            </a:r>
+            <a:r>
+              <a:rPr lang="en-GB" dirty="0"/>
+              <a:t> </a:t>
+            </a:r>
+            <a:r>
+              <a:rPr lang="en-GB" sz="2700" b="1" dirty="0" err="1" smtClean="0">
+                <a:latin typeface="Courier New" panose="02070309020205020404" pitchFamily="49" charset="0"/>
+                <a:cs typeface="Courier New" panose="02070309020205020404" pitchFamily="49" charset="0"/>
+              </a:rPr>
+              <a:t>promise.then</a:t>
+            </a:r>
+            <a:r>
+              <a:rPr lang="en-GB" sz="2700" b="1" dirty="0" smtClean="0">
+                <a:latin typeface="Courier New" panose="02070309020205020404" pitchFamily="49" charset="0"/>
+                <a:cs typeface="Courier New" panose="02070309020205020404" pitchFamily="49" charset="0"/>
+              </a:rPr>
+              <a:t>(null</a:t>
+            </a:r>
+            <a:r>
+              <a:rPr lang="en-GB" sz="2700" b="1" dirty="0">
+                <a:latin typeface="Courier New" panose="02070309020205020404" pitchFamily="49" charset="0"/>
+                <a:cs typeface="Courier New" panose="02070309020205020404" pitchFamily="49" charset="0"/>
+              </a:rPr>
+              <a:t>, </a:t>
+            </a:r>
+            <a:r>
+              <a:rPr lang="en-GB" sz="2700" b="1" dirty="0" err="1">
+                <a:latin typeface="Courier New" panose="02070309020205020404" pitchFamily="49" charset="0"/>
+                <a:cs typeface="Courier New" panose="02070309020205020404" pitchFamily="49" charset="0"/>
+              </a:rPr>
+              <a:t>errorCallback</a:t>
+            </a:r>
+            <a:r>
+              <a:rPr lang="en-GB" sz="2700" b="1" dirty="0">
+                <a:latin typeface="Courier New" panose="02070309020205020404" pitchFamily="49" charset="0"/>
+                <a:cs typeface="Courier New" panose="02070309020205020404" pitchFamily="49" charset="0"/>
+              </a:rPr>
+              <a:t>)</a:t>
+            </a:r>
+          </a:p>
+          <a:p>
             <a:r>
               <a:rPr lang="en-GB" sz="3100" b="1" dirty="0">
                 <a:latin typeface="Courier New" panose="02070309020205020404" pitchFamily="49" charset="0"/>
                 <a:cs typeface="Courier New" panose="02070309020205020404" pitchFamily="49" charset="0"/>
               </a:rPr>
+              <a:t>finally(</a:t>
+            </a:r>
+            <a:r>
+              <a:rPr lang="en-GB" sz="3100" b="1" dirty="0" err="1">
+                <a:latin typeface="Courier New" panose="02070309020205020404" pitchFamily="49" charset="0"/>
+                <a:cs typeface="Courier New" panose="02070309020205020404" pitchFamily="49" charset="0"/>
+              </a:rPr>
+              <a:t>callback</a:t>
+            </a:r>
+            <a:r>
+              <a:rPr lang="en-GB" sz="3100" b="1" dirty="0">
+                <a:latin typeface="Courier New" panose="02070309020205020404" pitchFamily="49" charset="0"/>
+                <a:cs typeface="Courier New" panose="02070309020205020404" pitchFamily="49" charset="0"/>
+              </a:rPr>
               <a:t>, </a:t>
             </a:r>
             <a:r>
@@ -6694,166 +7764,74 @@
                 <a:latin typeface="Courier New" panose="02070309020205020404" pitchFamily="49" charset="0"/>
                 <a:cs typeface="Courier New" panose="02070309020205020404" pitchFamily="49" charset="0"/>
               </a:rPr>
-              <a:t>errorCallback</a:t>
+              <a:t>notifyCallback</a:t>
             </a:r>
             <a:r>
               <a:rPr lang="en-GB" sz="3100" b="1" dirty="0">
                 <a:latin typeface="Courier New" panose="02070309020205020404" pitchFamily="49" charset="0"/>
                 <a:cs typeface="Courier New" panose="02070309020205020404" pitchFamily="49" charset="0"/>
               </a:rPr>
-              <a:t>, </a:t>
-            </a:r>
-            <a:r>
-              <a:rPr lang="sr-Latn-RS" sz="3100" b="1" dirty="0">
-                <a:latin typeface="Courier New" panose="02070309020205020404" pitchFamily="49" charset="0"/>
-                <a:cs typeface="Courier New" panose="02070309020205020404" pitchFamily="49" charset="0"/>
-              </a:rPr>
-              <a:t> </a:t>
-            </a:r>
-            <a:r>
-              <a:rPr lang="sr-Latn-RS" sz="3100" b="1" dirty="0" smtClean="0">
-                <a:latin typeface="Courier New" panose="02070309020205020404" pitchFamily="49" charset="0"/>
-                <a:cs typeface="Courier New" panose="02070309020205020404" pitchFamily="49" charset="0"/>
-              </a:rPr>
-              <a:t>    </a:t>
-            </a:r>
-            <a:r>
-              <a:rPr lang="en-GB" sz="3100" b="1" dirty="0" err="1" smtClean="0">
-                <a:latin typeface="Courier New" panose="02070309020205020404" pitchFamily="49" charset="0"/>
-                <a:cs typeface="Courier New" panose="02070309020205020404" pitchFamily="49" charset="0"/>
-              </a:rPr>
-              <a:t>notifyCallback</a:t>
-            </a:r>
-            <a:r>
-              <a:rPr lang="en-GB" sz="3100" b="1" dirty="0">
-                <a:latin typeface="Courier New" panose="02070309020205020404" pitchFamily="49" charset="0"/>
-                <a:cs typeface="Courier New" panose="02070309020205020404" pitchFamily="49" charset="0"/>
-              </a:rPr>
               <a:t>)</a:t>
             </a:r>
             <a:r>
               <a:rPr lang="en-GB" dirty="0"/>
               <a:t> – </a:t>
             </a:r>
+            <a:endParaRPr lang="sr-Latn-RS" dirty="0" smtClean="0"/>
+          </a:p>
+          <a:p>
+            <a:pPr lvl="1"/>
             <a:r>
               <a:rPr lang="sr-Latn-RS" dirty="0" smtClean="0"/>
-              <a:t>nakon što se deferred razreši ili pozove notify, poziva se jedna od funkcija koje su prosleđene kao parametri. Callback funkcije se pozivaju sa po jednim argumentom: rezultatom ili razlogom neuspeha. notifyCallback se poziva nula ili više puta – svaki put kada se pozove notify u diferred objektu – pre nego što se promise razreši.</a:t>
-            </a:r>
-            <a:endParaRPr lang="en-GB" dirty="0"/>
-          </a:p>
-          <a:p>
-            <a:r>
-              <a:rPr lang="en-GB" sz="3100" b="1" dirty="0">
-                <a:latin typeface="Courier New" panose="02070309020205020404" pitchFamily="49" charset="0"/>
-                <a:cs typeface="Courier New" panose="02070309020205020404" pitchFamily="49" charset="0"/>
-              </a:rPr>
-              <a:t>catch(</a:t>
-            </a:r>
-            <a:r>
-              <a:rPr lang="en-GB" sz="3100" b="1" dirty="0" err="1">
-                <a:latin typeface="Courier New" panose="02070309020205020404" pitchFamily="49" charset="0"/>
-                <a:cs typeface="Courier New" panose="02070309020205020404" pitchFamily="49" charset="0"/>
-              </a:rPr>
-              <a:t>errorCallback</a:t>
-            </a:r>
-            <a:r>
-              <a:rPr lang="en-GB" sz="3100" b="1" dirty="0">
-                <a:latin typeface="Courier New" panose="02070309020205020404" pitchFamily="49" charset="0"/>
-                <a:cs typeface="Courier New" panose="02070309020205020404" pitchFamily="49" charset="0"/>
-              </a:rPr>
-              <a:t>)</a:t>
-            </a:r>
-            <a:r>
-              <a:rPr lang="en-GB" dirty="0"/>
-              <a:t> – </a:t>
+              <a:t>funkcija </a:t>
             </a:r>
             <a:r>
               <a:rPr lang="sr-Latn-RS" dirty="0" smtClean="0"/>
-              <a:t>skraćena notacija za</a:t>
-            </a:r>
-            <a:r>
-              <a:rPr lang="en-GB" dirty="0"/>
-              <a:t> </a:t>
-            </a:r>
-            <a:r>
-              <a:rPr lang="en-GB" sz="3100" b="1" dirty="0" err="1" smtClean="0">
-                <a:latin typeface="Courier New" panose="02070309020205020404" pitchFamily="49" charset="0"/>
-                <a:cs typeface="Courier New" panose="02070309020205020404" pitchFamily="49" charset="0"/>
-              </a:rPr>
-              <a:t>promise.then</a:t>
-            </a:r>
-            <a:r>
-              <a:rPr lang="en-GB" sz="3100" b="1" dirty="0" smtClean="0">
-                <a:latin typeface="Courier New" panose="02070309020205020404" pitchFamily="49" charset="0"/>
-                <a:cs typeface="Courier New" panose="02070309020205020404" pitchFamily="49" charset="0"/>
-              </a:rPr>
-              <a:t>(null</a:t>
-            </a:r>
-            <a:r>
-              <a:rPr lang="en-GB" sz="3100" b="1" dirty="0">
-                <a:latin typeface="Courier New" panose="02070309020205020404" pitchFamily="49" charset="0"/>
-                <a:cs typeface="Courier New" panose="02070309020205020404" pitchFamily="49" charset="0"/>
-              </a:rPr>
-              <a:t>, </a:t>
-            </a:r>
-            <a:r>
-              <a:rPr lang="en-GB" sz="3100" b="1" dirty="0" err="1">
-                <a:latin typeface="Courier New" panose="02070309020205020404" pitchFamily="49" charset="0"/>
-                <a:cs typeface="Courier New" panose="02070309020205020404" pitchFamily="49" charset="0"/>
-              </a:rPr>
-              <a:t>errorCallback</a:t>
-            </a:r>
-            <a:r>
-              <a:rPr lang="en-GB" sz="3100" b="1" dirty="0">
-                <a:latin typeface="Courier New" panose="02070309020205020404" pitchFamily="49" charset="0"/>
-                <a:cs typeface="Courier New" panose="02070309020205020404" pitchFamily="49" charset="0"/>
-              </a:rPr>
-              <a:t>)</a:t>
-            </a:r>
-          </a:p>
-          <a:p>
-            <a:r>
-              <a:rPr lang="en-GB" sz="3100" b="1" dirty="0">
-                <a:latin typeface="Courier New" panose="02070309020205020404" pitchFamily="49" charset="0"/>
-                <a:cs typeface="Courier New" panose="02070309020205020404" pitchFamily="49" charset="0"/>
-              </a:rPr>
-              <a:t>finally(</a:t>
-            </a:r>
-            <a:r>
-              <a:rPr lang="en-GB" sz="3100" b="1" dirty="0" err="1">
-                <a:latin typeface="Courier New" panose="02070309020205020404" pitchFamily="49" charset="0"/>
-                <a:cs typeface="Courier New" panose="02070309020205020404" pitchFamily="49" charset="0"/>
-              </a:rPr>
-              <a:t>callback</a:t>
-            </a:r>
-            <a:r>
-              <a:rPr lang="en-GB" sz="3100" b="1" dirty="0">
-                <a:latin typeface="Courier New" panose="02070309020205020404" pitchFamily="49" charset="0"/>
-                <a:cs typeface="Courier New" panose="02070309020205020404" pitchFamily="49" charset="0"/>
-              </a:rPr>
-              <a:t>, </a:t>
-            </a:r>
-            <a:r>
-              <a:rPr lang="en-GB" sz="3100" b="1" dirty="0" err="1">
-                <a:latin typeface="Courier New" panose="02070309020205020404" pitchFamily="49" charset="0"/>
-                <a:cs typeface="Courier New" panose="02070309020205020404" pitchFamily="49" charset="0"/>
-              </a:rPr>
-              <a:t>notifyCallback</a:t>
-            </a:r>
-            <a:r>
-              <a:rPr lang="en-GB" sz="3100" b="1" dirty="0">
-                <a:latin typeface="Courier New" panose="02070309020205020404" pitchFamily="49" charset="0"/>
-                <a:cs typeface="Courier New" panose="02070309020205020404" pitchFamily="49" charset="0"/>
-              </a:rPr>
-              <a:t>)</a:t>
-            </a:r>
-            <a:r>
-              <a:rPr lang="en-GB" dirty="0"/>
-              <a:t> – </a:t>
+              <a:t>koja se poziva </a:t>
+            </a:r>
+            <a:r>
+              <a:rPr lang="sr-Latn-RS" b="1" dirty="0" smtClean="0"/>
+              <a:t>nakon razrešenja promise</a:t>
             </a:r>
             <a:r>
               <a:rPr lang="sr-Latn-RS" dirty="0" smtClean="0"/>
-              <a:t>funkcija koja se poziva nakon razrešenja promise objekta, ali bez argumenata (vrednosti iz deferred). Korisna je kada treba osloboditi neki resurs nakon razrešenja promise objekta.</a:t>
+              <a:t> objekta, ali </a:t>
+            </a:r>
+            <a:r>
+              <a:rPr lang="sr-Latn-RS" b="1" dirty="0" smtClean="0"/>
+              <a:t>bez argumenata</a:t>
+            </a:r>
+            <a:r>
+              <a:rPr lang="sr-Latn-RS" dirty="0" smtClean="0"/>
+              <a:t> (vrednosti iz deferred). </a:t>
+            </a:r>
+            <a:endParaRPr lang="sr-Latn-RS" dirty="0" smtClean="0"/>
+          </a:p>
+          <a:p>
+            <a:pPr lvl="1"/>
+            <a:r>
+              <a:rPr lang="sr-Latn-RS" dirty="0" smtClean="0"/>
+              <a:t>Korisna </a:t>
+            </a:r>
+            <a:r>
+              <a:rPr lang="sr-Latn-RS" dirty="0" smtClean="0"/>
+              <a:t>je kada treba </a:t>
+            </a:r>
+            <a:r>
+              <a:rPr lang="sr-Latn-RS" b="1" dirty="0" smtClean="0"/>
+              <a:t>osloboditi </a:t>
+            </a:r>
+            <a:r>
+              <a:rPr lang="sr-Latn-RS" b="1" dirty="0" smtClean="0"/>
+              <a:t>resurs</a:t>
+            </a:r>
+            <a:r>
+              <a:rPr lang="sr-Latn-RS" dirty="0" smtClean="0"/>
+              <a:t> </a:t>
+            </a:r>
+            <a:r>
+              <a:rPr lang="sr-Latn-RS" dirty="0" smtClean="0"/>
+              <a:t>nakon razrešenja promise objekta.</a:t>
             </a:r>
             <a:endParaRPr lang="en-GB" dirty="0"/>
           </a:p>
@@ -6882,7 +7860,7 @@
 </p:sld>
 </file>
 
-<file path=ppt/slides/slide23.xml><?xml version="1.0" encoding="utf-8"?>
+<file path=ppt/slides/slide26.xml><?xml version="1.0" encoding="utf-8"?>
 <p:sld xmlns:a="http://schemas.openxmlformats.org/drawingml/2006/main" xmlns:r="http://schemas.openxmlformats.org/officeDocument/2006/relationships" xmlns:p="http://schemas.openxmlformats.org/presentationml/2006/main">
   <p:cSld>
     <p:spTree>
@@ -7446,7 +8424,7 @@
 </p:sld>
 </file>
 
-<file path=ppt/slides/slide24.xml><?xml version="1.0" encoding="utf-8"?>
+<file path=ppt/slides/slide27.xml><?xml version="1.0" encoding="utf-8"?>
 <p:sld xmlns:a="http://schemas.openxmlformats.org/drawingml/2006/main" xmlns:r="http://schemas.openxmlformats.org/officeDocument/2006/relationships" xmlns:p="http://schemas.openxmlformats.org/presentationml/2006/main">
   <p:cSld>
     <p:spTree>
@@ -7480,11 +8458,7 @@
           <a:p>
             <a:r>
               <a:rPr lang="sr-Latn-RS" dirty="0" smtClean="0"/>
-              <a:t>Primer: </a:t>
-            </a:r>
-            <a:r>
-              <a:rPr lang="sr-Latn-RS" dirty="0" smtClean="0"/>
-              <a:t>blog</a:t>
+              <a:t>Primer: blog</a:t>
             </a:r>
             <a:endParaRPr lang="en-GB" dirty="0"/>
           </a:p>
@@ -8884,27 +9858,19 @@
               <a:t> </a:t>
             </a:r>
             <a:r>
-              <a:rPr lang="en-GB" dirty="0" err="1"/>
-              <a:t>sa</a:t>
-            </a:r>
-            <a:r>
-              <a:rPr lang="en-GB" dirty="0"/>
-              <a:t> </a:t>
-            </a:r>
-            <a:r>
-              <a:rPr lang="en-GB" dirty="0" err="1"/>
+              <a:rPr lang="en-GB" dirty="0" err="1" smtClean="0"/>
               <a:t>kojim</a:t>
             </a:r>
             <a:r>
-              <a:rPr lang="en-GB" dirty="0"/>
-              <a:t> </a:t>
-            </a:r>
-            <a:r>
-              <a:rPr lang="en-GB" dirty="0" err="1"/>
-              <a:t>radimo</a:t>
-            </a:r>
-            <a:r>
-              <a:rPr lang="en-GB" dirty="0"/>
+              <a:rPr lang="en-GB" dirty="0" smtClean="0"/>
+              <a:t> </a:t>
+            </a:r>
+            <a:r>
+              <a:rPr lang="sr-Latn-RS" dirty="0" smtClean="0"/>
+              <a:t>manipulišemo</a:t>
+            </a:r>
+            <a:r>
+              <a:rPr lang="en-GB" dirty="0" smtClean="0"/>
               <a:t>). </a:t>
             </a:r>
             <a:endParaRPr lang="sr-Latn-RS" dirty="0" smtClean="0"/>
@@ -9116,8 +10082,12 @@
           </a:p>
           <a:p>
             <a:r>
+              <a:rPr lang="sr-Latn-RS" dirty="0" smtClean="0"/>
+              <a:t>Kontroleri se dodaju u </a:t>
+            </a:r>
+            <a:r>
               <a:rPr lang="sr-Latn-RS" dirty="0"/>
-              <a:t>Dodaju se u HTML strancie pomoću</a:t>
+              <a:t>HTML strancie pomoću</a:t>
             </a:r>
             <a:r>
               <a:rPr lang="sr-Latn-RS" sz="2800" dirty="0">
@@ -9128,8 +10098,9 @@
             </a:r>
             <a:r>
               <a:rPr lang="sr-Latn-RS" dirty="0" smtClean="0"/>
-              <a:t>direktive</a:t>
-            </a:r>
+              <a:t>atributa</a:t>
+            </a:r>
+            <a:endParaRPr lang="sr-Latn-RS" dirty="0" smtClean="0"/>
           </a:p>
           <a:p>
             <a:r>
@@ -9176,6 +10147,293 @@
 </file>
 
 <file path=ppt/slides/slide6.xml><?xml version="1.0" encoding="utf-8"?>
+<p:sld xmlns:a="http://schemas.openxmlformats.org/drawingml/2006/main" xmlns:r="http://schemas.openxmlformats.org/officeDocument/2006/relationships" xmlns:p="http://schemas.openxmlformats.org/presentationml/2006/main">
+  <p:cSld>
+    <p:spTree>
+      <p:nvGrpSpPr>
+        <p:cNvPr id="1" name=""/>
+        <p:cNvGrpSpPr/>
+        <p:nvPr/>
+      </p:nvGrpSpPr>
+      <p:grpSpPr>
+        <a:xfrm>
+          <a:off x="0" y="0"/>
+          <a:ext cx="0" cy="0"/>
+          <a:chOff x="0" y="0"/>
+          <a:chExt cx="0" cy="0"/>
+        </a:xfrm>
+      </p:grpSpPr>
+      <p:sp>
+        <p:nvSpPr>
+          <p:cNvPr id="2" name="Title 1"/>
+          <p:cNvSpPr>
+            <a:spLocks noGrp="1"/>
+          </p:cNvSpPr>
+          <p:nvPr>
+            <p:ph type="title"/>
+          </p:nvPr>
+        </p:nvSpPr>
+        <p:spPr/>
+        <p:txBody>
+          <a:bodyPr>
+            <a:normAutofit/>
+          </a:bodyPr>
+          <a:lstStyle/>
+          <a:p>
+            <a:r>
+              <a:rPr lang="sr-Latn-RS" dirty="0" smtClean="0"/>
+              <a:t>Interpolacija {{ izraz }}</a:t>
+            </a:r>
+            <a:endParaRPr lang="en-GB" dirty="0"/>
+          </a:p>
+        </p:txBody>
+      </p:sp>
+      <p:sp>
+        <p:nvSpPr>
+          <p:cNvPr id="3" name="Content Placeholder 2"/>
+          <p:cNvSpPr>
+            <a:spLocks noGrp="1"/>
+          </p:cNvSpPr>
+          <p:nvPr>
+            <p:ph idx="1"/>
+          </p:nvPr>
+        </p:nvSpPr>
+        <p:spPr/>
+        <p:txBody>
+          <a:bodyPr>
+            <a:normAutofit lnSpcReduction="10000"/>
+          </a:bodyPr>
+          <a:lstStyle/>
+          <a:p>
+            <a:r>
+              <a:rPr lang="sr-Latn-RS" dirty="0" smtClean="0"/>
+              <a:t>Deo markupa označen sa </a:t>
+            </a:r>
+            <a:r>
+              <a:rPr lang="sr-Latn-RS" dirty="0"/>
+              <a:t>{{ izraz </a:t>
+            </a:r>
+            <a:r>
+              <a:rPr lang="sr-Latn-RS" dirty="0" smtClean="0"/>
+              <a:t>}} se zamenjuje vrednošću izraza</a:t>
+            </a:r>
+          </a:p>
+          <a:p>
+            <a:endParaRPr lang="en-GB" dirty="0"/>
+          </a:p>
+          <a:p>
+            <a:r>
+              <a:rPr lang="en-GB" dirty="0" err="1"/>
+              <a:t>Interpolacioni</a:t>
+            </a:r>
+            <a:r>
+              <a:rPr lang="en-GB" dirty="0"/>
+              <a:t> </a:t>
+            </a:r>
+            <a:r>
+              <a:rPr lang="en-GB" dirty="0" err="1"/>
+              <a:t>izrazi</a:t>
+            </a:r>
+            <a:r>
+              <a:rPr lang="en-GB" dirty="0"/>
+              <a:t> se </a:t>
+            </a:r>
+            <a:r>
+              <a:rPr lang="en-GB" dirty="0" err="1"/>
+              <a:t>mogu</a:t>
+            </a:r>
+            <a:r>
+              <a:rPr lang="en-GB" dirty="0"/>
+              <a:t> </a:t>
+            </a:r>
+            <a:r>
+              <a:rPr lang="en-GB" dirty="0" err="1"/>
+              <a:t>staviti</a:t>
+            </a:r>
+            <a:r>
+              <a:rPr lang="en-GB" dirty="0"/>
+              <a:t> </a:t>
+            </a:r>
+            <a:r>
+              <a:rPr lang="en-GB" dirty="0" err="1"/>
+              <a:t>gotovo</a:t>
+            </a:r>
+            <a:r>
+              <a:rPr lang="en-GB" dirty="0"/>
+              <a:t> </a:t>
+            </a:r>
+            <a:r>
+              <a:rPr lang="en-GB" dirty="0" err="1"/>
+              <a:t>bilo</a:t>
+            </a:r>
+            <a:r>
+              <a:rPr lang="en-GB" dirty="0"/>
+              <a:t> </a:t>
+            </a:r>
+            <a:r>
+              <a:rPr lang="en-GB" dirty="0" err="1"/>
+              <a:t>gde</a:t>
+            </a:r>
+            <a:r>
+              <a:rPr lang="en-GB" dirty="0"/>
+              <a:t> u HTML-u: </a:t>
+            </a:r>
+            <a:endParaRPr lang="sr-Latn-RS" dirty="0" smtClean="0"/>
+          </a:p>
+          <a:p>
+            <a:pPr lvl="1"/>
+            <a:r>
+              <a:rPr lang="en-GB" b="1" dirty="0" err="1" smtClean="0"/>
+              <a:t>Unutar</a:t>
+            </a:r>
+            <a:r>
+              <a:rPr lang="en-GB" b="1" dirty="0" smtClean="0"/>
+              <a:t> </a:t>
+            </a:r>
+            <a:r>
+              <a:rPr lang="en-GB" b="1" dirty="0"/>
+              <a:t>HTML </a:t>
+            </a:r>
+            <a:r>
+              <a:rPr lang="en-GB" b="1" dirty="0" err="1"/>
+              <a:t>taga</a:t>
+            </a:r>
+            <a:r>
+              <a:rPr lang="en-GB" b="1" dirty="0"/>
+              <a:t> </a:t>
+            </a:r>
+            <a:r>
+              <a:rPr lang="en-GB" dirty="0"/>
+              <a:t>&lt;div&gt; {{ </a:t>
+            </a:r>
+            <a:r>
+              <a:rPr lang="en-GB" i="1" dirty="0" err="1"/>
+              <a:t>izraz</a:t>
+            </a:r>
+            <a:r>
+              <a:rPr lang="en-GB" i="1" dirty="0"/>
+              <a:t> </a:t>
+            </a:r>
+            <a:r>
+              <a:rPr lang="en-GB" dirty="0"/>
+              <a:t>}} &lt;/div&gt; </a:t>
+            </a:r>
+          </a:p>
+          <a:p>
+            <a:pPr lvl="1"/>
+            <a:r>
+              <a:rPr lang="en-GB" b="1" dirty="0" err="1" smtClean="0"/>
+              <a:t>Vrednost</a:t>
+            </a:r>
+            <a:r>
+              <a:rPr lang="en-GB" b="1" dirty="0" smtClean="0"/>
+              <a:t> </a:t>
+            </a:r>
+            <a:r>
+              <a:rPr lang="en-GB" b="1" dirty="0" err="1"/>
+              <a:t>atributa</a:t>
+            </a:r>
+            <a:r>
+              <a:rPr lang="en-GB" b="1" dirty="0"/>
+              <a:t> </a:t>
+            </a:r>
+            <a:r>
+              <a:rPr lang="en-GB" dirty="0"/>
+              <a:t>&lt;div </a:t>
+            </a:r>
+            <a:r>
+              <a:rPr lang="en-GB" dirty="0" err="1"/>
+              <a:t>att</a:t>
+            </a:r>
+            <a:r>
+              <a:rPr lang="en-GB" dirty="0"/>
+              <a:t> = {{ </a:t>
+            </a:r>
+            <a:r>
+              <a:rPr lang="en-GB" i="1" dirty="0" err="1"/>
+              <a:t>izraz</a:t>
+            </a:r>
+            <a:r>
+              <a:rPr lang="en-GB" i="1" dirty="0"/>
+              <a:t> </a:t>
+            </a:r>
+            <a:r>
+              <a:rPr lang="en-GB" dirty="0"/>
+              <a:t>}}&gt;&lt;/div&gt; </a:t>
+            </a:r>
+          </a:p>
+          <a:p>
+            <a:pPr lvl="1"/>
+            <a:r>
+              <a:rPr lang="en-GB" b="1" dirty="0" err="1" smtClean="0"/>
+              <a:t>Ime</a:t>
+            </a:r>
+            <a:r>
+              <a:rPr lang="en-GB" b="1" dirty="0" smtClean="0"/>
+              <a:t> </a:t>
+            </a:r>
+            <a:r>
+              <a:rPr lang="en-GB" b="1" dirty="0" err="1"/>
+              <a:t>atributa</a:t>
+            </a:r>
+            <a:r>
+              <a:rPr lang="en-GB" b="1" dirty="0"/>
+              <a:t> </a:t>
+            </a:r>
+            <a:r>
+              <a:rPr lang="en-GB" dirty="0"/>
+              <a:t>&lt;div {{ </a:t>
+            </a:r>
+            <a:r>
+              <a:rPr lang="en-GB" i="1" dirty="0" err="1"/>
+              <a:t>izraz</a:t>
+            </a:r>
+            <a:r>
+              <a:rPr lang="en-GB" i="1" dirty="0"/>
+              <a:t> </a:t>
+            </a:r>
+            <a:r>
+              <a:rPr lang="en-GB" dirty="0"/>
+              <a:t>}} = “</a:t>
+            </a:r>
+            <a:r>
+              <a:rPr lang="en-GB" dirty="0" err="1"/>
+              <a:t>vrednost_atributa</a:t>
+            </a:r>
+            <a:r>
+              <a:rPr lang="en-GB" dirty="0"/>
+              <a:t>“&gt;&lt;/div&gt; </a:t>
+            </a:r>
+          </a:p>
+          <a:p>
+            <a:endParaRPr lang="en-GB" dirty="0"/>
+          </a:p>
+          <a:p>
+            <a:endParaRPr lang="en-GB" dirty="0"/>
+          </a:p>
+        </p:txBody>
+      </p:sp>
+    </p:spTree>
+    <p:extLst>
+      <p:ext uri="{BB962C8B-B14F-4D97-AF65-F5344CB8AC3E}">
+        <p14:creationId xmlns:p14="http://schemas.microsoft.com/office/powerpoint/2010/main" val="3933344494"/>
+      </p:ext>
+    </p:extLst>
+  </p:cSld>
+  <p:clrMapOvr>
+    <a:masterClrMapping/>
+  </p:clrMapOvr>
+  <p:timing>
+    <p:tnLst>
+      <p:par>
+        <p:cTn id="1" dur="indefinite" restart="never" nodeType="tmRoot"/>
+      </p:par>
+    </p:tnLst>
+  </p:timing>
+</p:sld>
+</file>
+
+<file path=ppt/slides/slide7.xml><?xml version="1.0" encoding="utf-8"?>
 <p:sld xmlns:a="http://schemas.openxmlformats.org/drawingml/2006/main" xmlns:r="http://schemas.openxmlformats.org/officeDocument/2006/relationships" xmlns:p="http://schemas.openxmlformats.org/presentationml/2006/main">
   <p:cSld>
     <p:spTree>
@@ -9862,7 +11120,7 @@
 </p:sld>
 </file>
 
-<file path=ppt/slides/slide7.xml><?xml version="1.0" encoding="utf-8"?>
+<file path=ppt/slides/slide8.xml><?xml version="1.0" encoding="utf-8"?>
 <p:sld xmlns:a="http://schemas.openxmlformats.org/drawingml/2006/main" xmlns:r="http://schemas.openxmlformats.org/officeDocument/2006/relationships" xmlns:p="http://schemas.openxmlformats.org/presentationml/2006/main">
   <p:cSld>
     <p:spTree>
@@ -10784,116 +12042,6 @@
 </p:sld>
 </file>
 
-<file path=ppt/slides/slide8.xml><?xml version="1.0" encoding="utf-8"?>
-<p:sld xmlns:a="http://schemas.openxmlformats.org/drawingml/2006/main" xmlns:r="http://schemas.openxmlformats.org/officeDocument/2006/relationships" xmlns:p="http://schemas.openxmlformats.org/presentationml/2006/main">
-  <p:cSld>
-    <p:spTree>
-      <p:nvGrpSpPr>
-        <p:cNvPr id="1" name=""/>
-        <p:cNvGrpSpPr/>
-        <p:nvPr/>
-      </p:nvGrpSpPr>
-      <p:grpSpPr>
-        <a:xfrm>
-          <a:off x="0" y="0"/>
-          <a:ext cx="0" cy="0"/>
-          <a:chOff x="0" y="0"/>
-          <a:chExt cx="0" cy="0"/>
-        </a:xfrm>
-      </p:grpSpPr>
-      <p:sp>
-        <p:nvSpPr>
-          <p:cNvPr id="2" name="Title 1"/>
-          <p:cNvSpPr>
-            <a:spLocks noGrp="1"/>
-          </p:cNvSpPr>
-          <p:nvPr>
-            <p:ph type="title"/>
-          </p:nvPr>
-        </p:nvSpPr>
-        <p:spPr/>
-        <p:txBody>
-          <a:bodyPr/>
-          <a:lstStyle/>
-          <a:p>
-            <a:r>
-              <a:rPr lang="sr-Latn-RS" dirty="0" smtClean="0"/>
-              <a:t>Koršćenje kontrolera</a:t>
-            </a:r>
-            <a:endParaRPr lang="en-GB" dirty="0"/>
-          </a:p>
-        </p:txBody>
-      </p:sp>
-      <p:sp>
-        <p:nvSpPr>
-          <p:cNvPr id="3" name="Content Placeholder 2"/>
-          <p:cNvSpPr>
-            <a:spLocks noGrp="1"/>
-          </p:cNvSpPr>
-          <p:nvPr>
-            <p:ph idx="1"/>
-          </p:nvPr>
-        </p:nvSpPr>
-        <p:spPr/>
-        <p:txBody>
-          <a:bodyPr/>
-          <a:lstStyle/>
-          <a:p>
-            <a:r>
-              <a:rPr lang="sr-Latn-RS" dirty="0" smtClean="0"/>
-              <a:t>Kontroler </a:t>
-            </a:r>
-            <a:r>
-              <a:rPr lang="sr-Latn-RS" b="1" dirty="0" smtClean="0"/>
-              <a:t>nikada</a:t>
-            </a:r>
-            <a:r>
-              <a:rPr lang="sr-Latn-RS" dirty="0" smtClean="0"/>
-              <a:t> ne manipuliše HTML-om (view)</a:t>
-            </a:r>
-          </a:p>
-          <a:p>
-            <a:r>
-              <a:rPr lang="sr-Latn-RS" dirty="0" smtClean="0"/>
-              <a:t>Manipuliše </a:t>
-            </a:r>
-            <a:r>
-              <a:rPr lang="sr-Latn-RS" b="1" dirty="0" smtClean="0"/>
-              <a:t>modelom </a:t>
-            </a:r>
-            <a:r>
-              <a:rPr lang="sr-Latn-RS" dirty="0" smtClean="0"/>
-              <a:t>(kroz $scope) koji se vezuje za HTML</a:t>
-            </a:r>
-          </a:p>
-          <a:p>
-            <a:r>
-              <a:rPr lang="sr-Latn-RS" dirty="0" smtClean="0"/>
-              <a:t>Koja je razlika u odnosu na jQuery?</a:t>
-            </a:r>
-          </a:p>
-        </p:txBody>
-      </p:sp>
-    </p:spTree>
-    <p:extLst>
-      <p:ext uri="{BB962C8B-B14F-4D97-AF65-F5344CB8AC3E}">
-        <p14:creationId xmlns:p14="http://schemas.microsoft.com/office/powerpoint/2010/main" val="2950273747"/>
-      </p:ext>
-    </p:extLst>
-  </p:cSld>
-  <p:clrMapOvr>
-    <a:masterClrMapping/>
-  </p:clrMapOvr>
-  <p:timing>
-    <p:tnLst>
-      <p:par>
-        <p:cTn id="1" dur="indefinite" restart="never" nodeType="tmRoot"/>
-      </p:par>
-    </p:tnLst>
-  </p:timing>
-</p:sld>
-</file>
-
 <file path=ppt/slides/slide9.xml><?xml version="1.0" encoding="utf-8"?>
 <p:sld xmlns:a="http://schemas.openxmlformats.org/drawingml/2006/main" xmlns:r="http://schemas.openxmlformats.org/officeDocument/2006/relationships" xmlns:p="http://schemas.openxmlformats.org/presentationml/2006/main">
   <p:cSld>
@@ -10928,7 +12076,7 @@
           <a:p>
             <a:r>
               <a:rPr lang="sr-Latn-RS" dirty="0" smtClean="0"/>
-              <a:t>Više kontrolera</a:t>
+              <a:t>Koršćenje kontrolera</a:t>
             </a:r>
             <a:endParaRPr lang="en-GB" dirty="0"/>
           </a:p>
@@ -10944,624 +12092,42 @@
             <p:ph idx="1"/>
           </p:nvPr>
         </p:nvSpPr>
-        <p:spPr>
-          <a:xfrm>
-            <a:off x="457200" y="1600201"/>
-            <a:ext cx="8229600" cy="676672"/>
-          </a:xfrm>
-        </p:spPr>
+        <p:spPr/>
         <p:txBody>
           <a:bodyPr/>
           <a:lstStyle/>
           <a:p>
             <a:r>
               <a:rPr lang="sr-Latn-RS" dirty="0" smtClean="0"/>
-              <a:t>Tipična situacija u razvoju aplikacija</a:t>
-            </a:r>
-          </a:p>
-          <a:p>
-            <a:endParaRPr lang="en-GB" dirty="0"/>
-          </a:p>
-        </p:txBody>
-      </p:sp>
-      <p:sp>
-        <p:nvSpPr>
-          <p:cNvPr id="4" name="Rectangle 3"/>
-          <p:cNvSpPr/>
-          <p:nvPr/>
-        </p:nvSpPr>
-        <p:spPr>
-          <a:xfrm>
-            <a:off x="35496" y="3388345"/>
-            <a:ext cx="4680520" cy="2123658"/>
-          </a:xfrm>
-          <a:prstGeom prst="rect">
-            <a:avLst/>
-          </a:prstGeom>
-        </p:spPr>
-        <p:txBody>
-          <a:bodyPr wrap="square">
-            <a:spAutoFit/>
-          </a:bodyPr>
-          <a:lstStyle/>
-          <a:p>
-            <a:r>
-              <a:rPr lang="sr-Latn-RS" sz="1200" dirty="0" smtClean="0">
-                <a:latin typeface="Courier New" panose="02070309020205020404" pitchFamily="49" charset="0"/>
-                <a:cs typeface="Courier New" panose="02070309020205020404" pitchFamily="49" charset="0"/>
-              </a:rPr>
-              <a:t>...</a:t>
-            </a:r>
-          </a:p>
-          <a:p>
-            <a:r>
-              <a:rPr lang="en-GB" sz="1200" dirty="0" err="1" smtClean="0">
-                <a:latin typeface="Courier New" panose="02070309020205020404" pitchFamily="49" charset="0"/>
-                <a:cs typeface="Courier New" panose="02070309020205020404" pitchFamily="49" charset="0"/>
-              </a:rPr>
-              <a:t>var</a:t>
-            </a:r>
-            <a:r>
-              <a:rPr lang="en-GB" sz="1200" dirty="0" smtClean="0">
-                <a:latin typeface="Courier New" panose="02070309020205020404" pitchFamily="49" charset="0"/>
-                <a:cs typeface="Courier New" panose="02070309020205020404" pitchFamily="49" charset="0"/>
-              </a:rPr>
-              <a:t> </a:t>
-            </a:r>
-            <a:r>
-              <a:rPr lang="en-GB" sz="1200" dirty="0" err="1">
-                <a:latin typeface="Courier New" panose="02070309020205020404" pitchFamily="49" charset="0"/>
-                <a:cs typeface="Courier New" panose="02070309020205020404" pitchFamily="49" charset="0"/>
-              </a:rPr>
-              <a:t>helloController</a:t>
-            </a:r>
-            <a:r>
-              <a:rPr lang="en-GB" sz="1200" dirty="0">
-                <a:latin typeface="Courier New" panose="02070309020205020404" pitchFamily="49" charset="0"/>
-                <a:cs typeface="Courier New" panose="02070309020205020404" pitchFamily="49" charset="0"/>
-              </a:rPr>
-              <a:t> = function ($scope) {</a:t>
-            </a:r>
-          </a:p>
-          <a:p>
-            <a:r>
-              <a:rPr lang="en-GB" sz="1200" dirty="0" smtClean="0">
-                <a:latin typeface="Courier New" panose="02070309020205020404" pitchFamily="49" charset="0"/>
-                <a:cs typeface="Courier New" panose="02070309020205020404" pitchFamily="49" charset="0"/>
-              </a:rPr>
-              <a:t>    </a:t>
-            </a:r>
-            <a:r>
-              <a:rPr lang="sr-Latn-RS" sz="1200" dirty="0" smtClean="0">
-                <a:latin typeface="Courier New" panose="02070309020205020404" pitchFamily="49" charset="0"/>
-                <a:cs typeface="Courier New" panose="02070309020205020404" pitchFamily="49" charset="0"/>
-              </a:rPr>
-              <a:t>...</a:t>
-            </a:r>
-            <a:endParaRPr lang="en-GB" sz="1200" dirty="0">
-              <a:latin typeface="Courier New" panose="02070309020205020404" pitchFamily="49" charset="0"/>
-              <a:cs typeface="Courier New" panose="02070309020205020404" pitchFamily="49" charset="0"/>
-            </a:endParaRPr>
-          </a:p>
-          <a:p>
-            <a:r>
-              <a:rPr lang="en-GB" sz="1200" dirty="0" smtClean="0">
-                <a:latin typeface="Courier New" panose="02070309020205020404" pitchFamily="49" charset="0"/>
-                <a:cs typeface="Courier New" panose="02070309020205020404" pitchFamily="49" charset="0"/>
-              </a:rPr>
-              <a:t>  }</a:t>
-            </a:r>
-            <a:endParaRPr lang="en-GB" sz="1200" dirty="0">
-              <a:latin typeface="Courier New" panose="02070309020205020404" pitchFamily="49" charset="0"/>
-              <a:cs typeface="Courier New" panose="02070309020205020404" pitchFamily="49" charset="0"/>
-            </a:endParaRPr>
-          </a:p>
-          <a:p>
-            <a:r>
-              <a:rPr lang="en-GB" sz="1200" dirty="0" err="1" smtClean="0">
-                <a:latin typeface="Courier New" panose="02070309020205020404" pitchFamily="49" charset="0"/>
-                <a:cs typeface="Courier New" panose="02070309020205020404" pitchFamily="49" charset="0"/>
-              </a:rPr>
-              <a:t>var</a:t>
-            </a:r>
-            <a:r>
-              <a:rPr lang="en-GB" sz="1200" dirty="0" smtClean="0">
-                <a:latin typeface="Courier New" panose="02070309020205020404" pitchFamily="49" charset="0"/>
-                <a:cs typeface="Courier New" panose="02070309020205020404" pitchFamily="49" charset="0"/>
-              </a:rPr>
-              <a:t> </a:t>
-            </a:r>
-            <a:r>
-              <a:rPr lang="en-GB" sz="1200" dirty="0" err="1">
-                <a:latin typeface="Courier New" panose="02070309020205020404" pitchFamily="49" charset="0"/>
-                <a:cs typeface="Courier New" panose="02070309020205020404" pitchFamily="49" charset="0"/>
-              </a:rPr>
-              <a:t>weatherController</a:t>
-            </a:r>
-            <a:r>
-              <a:rPr lang="en-GB" sz="1200" dirty="0">
-                <a:latin typeface="Courier New" panose="02070309020205020404" pitchFamily="49" charset="0"/>
-                <a:cs typeface="Courier New" panose="02070309020205020404" pitchFamily="49" charset="0"/>
-              </a:rPr>
-              <a:t> = function ($scope) {</a:t>
-            </a:r>
-          </a:p>
-          <a:p>
-            <a:r>
-              <a:rPr lang="en-GB" sz="1200" dirty="0" smtClean="0">
-                <a:latin typeface="Courier New" panose="02070309020205020404" pitchFamily="49" charset="0"/>
-                <a:cs typeface="Courier New" panose="02070309020205020404" pitchFamily="49" charset="0"/>
-              </a:rPr>
-              <a:t>    </a:t>
-            </a:r>
-            <a:r>
-              <a:rPr lang="sr-Latn-RS" sz="1200" dirty="0" smtClean="0">
-                <a:latin typeface="Courier New" panose="02070309020205020404" pitchFamily="49" charset="0"/>
-                <a:cs typeface="Courier New" panose="02070309020205020404" pitchFamily="49" charset="0"/>
-              </a:rPr>
-              <a:t>...</a:t>
-            </a:r>
-            <a:endParaRPr lang="en-GB" sz="1200" dirty="0">
-              <a:latin typeface="Courier New" panose="02070309020205020404" pitchFamily="49" charset="0"/>
-              <a:cs typeface="Courier New" panose="02070309020205020404" pitchFamily="49" charset="0"/>
-            </a:endParaRPr>
-          </a:p>
-          <a:p>
-            <a:r>
-              <a:rPr lang="en-GB" sz="1200" dirty="0" smtClean="0">
-                <a:latin typeface="Courier New" panose="02070309020205020404" pitchFamily="49" charset="0"/>
-                <a:cs typeface="Courier New" panose="02070309020205020404" pitchFamily="49" charset="0"/>
-              </a:rPr>
-              <a:t>  }</a:t>
-            </a:r>
-            <a:endParaRPr lang="en-GB" sz="1200" dirty="0">
-              <a:latin typeface="Courier New" panose="02070309020205020404" pitchFamily="49" charset="0"/>
-              <a:cs typeface="Courier New" panose="02070309020205020404" pitchFamily="49" charset="0"/>
-            </a:endParaRPr>
-          </a:p>
-          <a:p>
-            <a:r>
-              <a:rPr lang="en-GB" sz="1200" dirty="0" err="1" smtClean="0">
-                <a:latin typeface="Courier New" panose="02070309020205020404" pitchFamily="49" charset="0"/>
-                <a:cs typeface="Courier New" panose="02070309020205020404" pitchFamily="49" charset="0"/>
-              </a:rPr>
-              <a:t>var</a:t>
-            </a:r>
-            <a:r>
-              <a:rPr lang="en-GB" sz="1200" dirty="0" smtClean="0">
-                <a:latin typeface="Courier New" panose="02070309020205020404" pitchFamily="49" charset="0"/>
-                <a:cs typeface="Courier New" panose="02070309020205020404" pitchFamily="49" charset="0"/>
-              </a:rPr>
-              <a:t> </a:t>
-            </a:r>
-            <a:r>
-              <a:rPr lang="en-GB" sz="1200" dirty="0">
-                <a:latin typeface="Courier New" panose="02070309020205020404" pitchFamily="49" charset="0"/>
-                <a:cs typeface="Courier New" panose="02070309020205020404" pitchFamily="49" charset="0"/>
-              </a:rPr>
-              <a:t>app = </a:t>
-            </a:r>
-            <a:r>
-              <a:rPr lang="en-GB" sz="1200" dirty="0" err="1">
-                <a:latin typeface="Courier New" panose="02070309020205020404" pitchFamily="49" charset="0"/>
-                <a:cs typeface="Courier New" panose="02070309020205020404" pitchFamily="49" charset="0"/>
-              </a:rPr>
-              <a:t>angular.module</a:t>
-            </a:r>
-            <a:r>
-              <a:rPr lang="en-GB" sz="1200" dirty="0">
-                <a:latin typeface="Courier New" panose="02070309020205020404" pitchFamily="49" charset="0"/>
-                <a:cs typeface="Courier New" panose="02070309020205020404" pitchFamily="49" charset="0"/>
-              </a:rPr>
-              <a:t>("app", []);</a:t>
-            </a:r>
-          </a:p>
-          <a:p>
-            <a:r>
-              <a:rPr lang="en-GB" sz="1200" b="1" dirty="0" err="1" smtClean="0">
-                <a:latin typeface="Courier New" panose="02070309020205020404" pitchFamily="49" charset="0"/>
-                <a:cs typeface="Courier New" panose="02070309020205020404" pitchFamily="49" charset="0"/>
-              </a:rPr>
-              <a:t>app.controller</a:t>
-            </a:r>
-            <a:r>
-              <a:rPr lang="en-GB" sz="1200" b="1" dirty="0">
-                <a:latin typeface="Courier New" panose="02070309020205020404" pitchFamily="49" charset="0"/>
-                <a:cs typeface="Courier New" panose="02070309020205020404" pitchFamily="49" charset="0"/>
-              </a:rPr>
-              <a:t>("</a:t>
-            </a:r>
-            <a:r>
-              <a:rPr lang="en-GB" sz="1200" b="1" dirty="0" err="1">
-                <a:latin typeface="Courier New" panose="02070309020205020404" pitchFamily="49" charset="0"/>
-                <a:cs typeface="Courier New" panose="02070309020205020404" pitchFamily="49" charset="0"/>
-              </a:rPr>
-              <a:t>helloCtrl</a:t>
-            </a:r>
-            <a:r>
-              <a:rPr lang="en-GB" sz="1200" b="1" dirty="0">
-                <a:latin typeface="Courier New" panose="02070309020205020404" pitchFamily="49" charset="0"/>
-                <a:cs typeface="Courier New" panose="02070309020205020404" pitchFamily="49" charset="0"/>
-              </a:rPr>
-              <a:t>", </a:t>
-            </a:r>
-            <a:r>
-              <a:rPr lang="en-GB" sz="1200" b="1" dirty="0" err="1">
-                <a:latin typeface="Courier New" panose="02070309020205020404" pitchFamily="49" charset="0"/>
-                <a:cs typeface="Courier New" panose="02070309020205020404" pitchFamily="49" charset="0"/>
-              </a:rPr>
-              <a:t>helloController</a:t>
-            </a:r>
-            <a:r>
-              <a:rPr lang="en-GB" sz="1200" b="1" dirty="0">
-                <a:latin typeface="Courier New" panose="02070309020205020404" pitchFamily="49" charset="0"/>
-                <a:cs typeface="Courier New" panose="02070309020205020404" pitchFamily="49" charset="0"/>
-              </a:rPr>
-              <a:t>);</a:t>
-            </a:r>
-          </a:p>
-          <a:p>
-            <a:r>
-              <a:rPr lang="en-GB" sz="1200" b="1" dirty="0" err="1" smtClean="0">
-                <a:latin typeface="Courier New" panose="02070309020205020404" pitchFamily="49" charset="0"/>
-                <a:cs typeface="Courier New" panose="02070309020205020404" pitchFamily="49" charset="0"/>
-              </a:rPr>
-              <a:t>app.controller</a:t>
-            </a:r>
-            <a:r>
-              <a:rPr lang="en-GB" sz="1200" b="1" dirty="0">
-                <a:latin typeface="Courier New" panose="02070309020205020404" pitchFamily="49" charset="0"/>
-                <a:cs typeface="Courier New" panose="02070309020205020404" pitchFamily="49" charset="0"/>
-              </a:rPr>
-              <a:t>("</a:t>
-            </a:r>
-            <a:r>
-              <a:rPr lang="en-GB" sz="1200" b="1" dirty="0" err="1">
-                <a:latin typeface="Courier New" panose="02070309020205020404" pitchFamily="49" charset="0"/>
-                <a:cs typeface="Courier New" panose="02070309020205020404" pitchFamily="49" charset="0"/>
-              </a:rPr>
-              <a:t>weatherCtrl</a:t>
-            </a:r>
-            <a:r>
-              <a:rPr lang="en-GB" sz="1200" b="1" dirty="0" smtClean="0">
-                <a:latin typeface="Courier New" panose="02070309020205020404" pitchFamily="49" charset="0"/>
-                <a:cs typeface="Courier New" panose="02070309020205020404" pitchFamily="49" charset="0"/>
-              </a:rPr>
-              <a:t>",</a:t>
-            </a:r>
-            <a:r>
-              <a:rPr lang="en-GB" sz="1200" b="1" dirty="0" err="1" smtClean="0">
-                <a:latin typeface="Courier New" panose="02070309020205020404" pitchFamily="49" charset="0"/>
-                <a:cs typeface="Courier New" panose="02070309020205020404" pitchFamily="49" charset="0"/>
-              </a:rPr>
-              <a:t>weatherController</a:t>
-            </a:r>
-            <a:r>
-              <a:rPr lang="en-GB" sz="1200" b="1" dirty="0" smtClean="0">
-                <a:latin typeface="Courier New" panose="02070309020205020404" pitchFamily="49" charset="0"/>
-                <a:cs typeface="Courier New" panose="02070309020205020404" pitchFamily="49" charset="0"/>
-              </a:rPr>
-              <a:t>);</a:t>
-            </a:r>
-            <a:endParaRPr lang="sr-Latn-RS" sz="1200" b="1" dirty="0" smtClean="0">
-              <a:latin typeface="Courier New" panose="02070309020205020404" pitchFamily="49" charset="0"/>
-              <a:cs typeface="Courier New" panose="02070309020205020404" pitchFamily="49" charset="0"/>
-            </a:endParaRPr>
-          </a:p>
-          <a:p>
-            <a:r>
-              <a:rPr lang="sr-Latn-RS" sz="1200" b="1" dirty="0" smtClean="0">
-                <a:latin typeface="Courier New" panose="02070309020205020404" pitchFamily="49" charset="0"/>
-                <a:cs typeface="Courier New" panose="02070309020205020404" pitchFamily="49" charset="0"/>
-              </a:rPr>
-              <a:t>...</a:t>
-            </a:r>
-            <a:endParaRPr lang="en-GB" sz="1200" b="1" dirty="0">
-              <a:latin typeface="Courier New" panose="02070309020205020404" pitchFamily="49" charset="0"/>
-              <a:cs typeface="Courier New" panose="02070309020205020404" pitchFamily="49" charset="0"/>
-            </a:endParaRPr>
-          </a:p>
-        </p:txBody>
-      </p:sp>
-      <p:sp>
-        <p:nvSpPr>
-          <p:cNvPr id="5" name="Rectangle 4"/>
-          <p:cNvSpPr/>
-          <p:nvPr/>
-        </p:nvSpPr>
-        <p:spPr>
-          <a:xfrm>
-            <a:off x="4932040" y="3342471"/>
-            <a:ext cx="4572000" cy="2246769"/>
-          </a:xfrm>
-          <a:prstGeom prst="rect">
-            <a:avLst/>
-          </a:prstGeom>
-        </p:spPr>
-        <p:txBody>
-          <a:bodyPr>
-            <a:spAutoFit/>
-          </a:bodyPr>
-          <a:lstStyle/>
-          <a:p>
-            <a:r>
-              <a:rPr lang="sr-Latn-RS" sz="1400" dirty="0" smtClean="0">
-                <a:latin typeface="Courier New" panose="02070309020205020404" pitchFamily="49" charset="0"/>
-                <a:cs typeface="Courier New" panose="02070309020205020404" pitchFamily="49" charset="0"/>
-              </a:rPr>
-              <a:t>...</a:t>
-            </a:r>
-          </a:p>
-          <a:p>
-            <a:r>
-              <a:rPr lang="en-GB" sz="1400" dirty="0" smtClean="0">
-                <a:latin typeface="Courier New" panose="02070309020205020404" pitchFamily="49" charset="0"/>
-                <a:cs typeface="Courier New" panose="02070309020205020404" pitchFamily="49" charset="0"/>
-              </a:rPr>
-              <a:t>&lt;</a:t>
-            </a:r>
-            <a:r>
-              <a:rPr lang="en-GB" sz="1400" dirty="0">
-                <a:latin typeface="Courier New" panose="02070309020205020404" pitchFamily="49" charset="0"/>
-                <a:cs typeface="Courier New" panose="02070309020205020404" pitchFamily="49" charset="0"/>
-              </a:rPr>
-              <a:t>body ng-app="app"&gt;</a:t>
-            </a:r>
-          </a:p>
-          <a:p>
-            <a:r>
-              <a:rPr lang="en-GB" sz="1400" dirty="0" smtClean="0">
-                <a:latin typeface="Courier New" panose="02070309020205020404" pitchFamily="49" charset="0"/>
-                <a:cs typeface="Courier New" panose="02070309020205020404" pitchFamily="49" charset="0"/>
-              </a:rPr>
-              <a:t>  &lt;</a:t>
-            </a:r>
-            <a:r>
-              <a:rPr lang="en-GB" sz="1400" dirty="0">
-                <a:latin typeface="Courier New" panose="02070309020205020404" pitchFamily="49" charset="0"/>
-                <a:cs typeface="Courier New" panose="02070309020205020404" pitchFamily="49" charset="0"/>
-              </a:rPr>
-              <a:t>h1 </a:t>
-            </a:r>
-            <a:r>
-              <a:rPr lang="en-GB" sz="1400" b="1" dirty="0">
-                <a:latin typeface="Courier New" panose="02070309020205020404" pitchFamily="49" charset="0"/>
-                <a:cs typeface="Courier New" panose="02070309020205020404" pitchFamily="49" charset="0"/>
-              </a:rPr>
-              <a:t>ng-controller="</a:t>
-            </a:r>
-            <a:r>
-              <a:rPr lang="en-GB" sz="1400" b="1" dirty="0" err="1">
-                <a:latin typeface="Courier New" panose="02070309020205020404" pitchFamily="49" charset="0"/>
-                <a:cs typeface="Courier New" panose="02070309020205020404" pitchFamily="49" charset="0"/>
-              </a:rPr>
-              <a:t>helloCtrl</a:t>
-            </a:r>
-            <a:r>
-              <a:rPr lang="en-GB" sz="1400" b="1" dirty="0">
-                <a:latin typeface="Courier New" panose="02070309020205020404" pitchFamily="49" charset="0"/>
-                <a:cs typeface="Courier New" panose="02070309020205020404" pitchFamily="49" charset="0"/>
-              </a:rPr>
-              <a:t>"</a:t>
-            </a:r>
-            <a:r>
-              <a:rPr lang="en-GB" sz="1400" dirty="0">
-                <a:latin typeface="Courier New" panose="02070309020205020404" pitchFamily="49" charset="0"/>
-                <a:cs typeface="Courier New" panose="02070309020205020404" pitchFamily="49" charset="0"/>
-              </a:rPr>
-              <a:t>&gt;</a:t>
-            </a:r>
-          </a:p>
-          <a:p>
-            <a:r>
-              <a:rPr lang="en-GB" sz="1400" dirty="0" smtClean="0">
-                <a:latin typeface="Courier New" panose="02070309020205020404" pitchFamily="49" charset="0"/>
-                <a:cs typeface="Courier New" panose="02070309020205020404" pitchFamily="49" charset="0"/>
-              </a:rPr>
-              <a:t>    message</a:t>
-            </a:r>
-            <a:r>
-              <a:rPr lang="en-GB" sz="1400" dirty="0">
-                <a:latin typeface="Courier New" panose="02070309020205020404" pitchFamily="49" charset="0"/>
-                <a:cs typeface="Courier New" panose="02070309020205020404" pitchFamily="49" charset="0"/>
-              </a:rPr>
-              <a:t>: </a:t>
-            </a:r>
-            <a:r>
-              <a:rPr lang="en-GB" sz="1400" b="1" dirty="0">
-                <a:latin typeface="Courier New" panose="02070309020205020404" pitchFamily="49" charset="0"/>
-                <a:cs typeface="Courier New" panose="02070309020205020404" pitchFamily="49" charset="0"/>
-              </a:rPr>
-              <a:t>{{message}}</a:t>
-            </a:r>
-            <a:r>
-              <a:rPr lang="en-GB" sz="1400" dirty="0">
-                <a:latin typeface="Courier New" panose="02070309020205020404" pitchFamily="49" charset="0"/>
-                <a:cs typeface="Courier New" panose="02070309020205020404" pitchFamily="49" charset="0"/>
-              </a:rPr>
-              <a:t> &lt;</a:t>
-            </a:r>
-            <a:r>
-              <a:rPr lang="en-GB" sz="1400" dirty="0" err="1">
-                <a:latin typeface="Courier New" panose="02070309020205020404" pitchFamily="49" charset="0"/>
-                <a:cs typeface="Courier New" panose="02070309020205020404" pitchFamily="49" charset="0"/>
-              </a:rPr>
-              <a:t>br</a:t>
-            </a:r>
-            <a:r>
-              <a:rPr lang="en-GB" sz="1400" dirty="0">
-                <a:latin typeface="Courier New" panose="02070309020205020404" pitchFamily="49" charset="0"/>
-                <a:cs typeface="Courier New" panose="02070309020205020404" pitchFamily="49" charset="0"/>
-              </a:rPr>
-              <a:t>/&gt;</a:t>
-            </a:r>
-          </a:p>
-          <a:p>
-            <a:r>
-              <a:rPr lang="en-GB" sz="1400" dirty="0" smtClean="0">
-                <a:latin typeface="Courier New" panose="02070309020205020404" pitchFamily="49" charset="0"/>
-                <a:cs typeface="Courier New" panose="02070309020205020404" pitchFamily="49" charset="0"/>
-              </a:rPr>
-              <a:t>  &lt;/</a:t>
-            </a:r>
-            <a:r>
-              <a:rPr lang="en-GB" sz="1400" dirty="0">
-                <a:latin typeface="Courier New" panose="02070309020205020404" pitchFamily="49" charset="0"/>
-                <a:cs typeface="Courier New" panose="02070309020205020404" pitchFamily="49" charset="0"/>
-              </a:rPr>
-              <a:t>h1&gt;</a:t>
-            </a:r>
-          </a:p>
-          <a:p>
-            <a:r>
-              <a:rPr lang="en-GB" sz="1400" dirty="0" smtClean="0">
-                <a:latin typeface="Courier New" panose="02070309020205020404" pitchFamily="49" charset="0"/>
-                <a:cs typeface="Courier New" panose="02070309020205020404" pitchFamily="49" charset="0"/>
-              </a:rPr>
-              <a:t>  &lt;</a:t>
-            </a:r>
-            <a:r>
-              <a:rPr lang="en-GB" sz="1400" dirty="0">
-                <a:latin typeface="Courier New" panose="02070309020205020404" pitchFamily="49" charset="0"/>
-                <a:cs typeface="Courier New" panose="02070309020205020404" pitchFamily="49" charset="0"/>
-              </a:rPr>
-              <a:t>div </a:t>
-            </a:r>
-            <a:r>
-              <a:rPr lang="en-GB" sz="1400" b="1" dirty="0">
-                <a:latin typeface="Courier New" panose="02070309020205020404" pitchFamily="49" charset="0"/>
-                <a:cs typeface="Courier New" panose="02070309020205020404" pitchFamily="49" charset="0"/>
-              </a:rPr>
-              <a:t>ng-controller="</a:t>
-            </a:r>
-            <a:r>
-              <a:rPr lang="en-GB" sz="1400" b="1" dirty="0" err="1">
-                <a:latin typeface="Courier New" panose="02070309020205020404" pitchFamily="49" charset="0"/>
-                <a:cs typeface="Courier New" panose="02070309020205020404" pitchFamily="49" charset="0"/>
-              </a:rPr>
-              <a:t>weatherCtrl</a:t>
-            </a:r>
-            <a:r>
-              <a:rPr lang="en-GB" sz="1400" b="1" dirty="0">
-                <a:latin typeface="Courier New" panose="02070309020205020404" pitchFamily="49" charset="0"/>
-                <a:cs typeface="Courier New" panose="02070309020205020404" pitchFamily="49" charset="0"/>
-              </a:rPr>
-              <a:t>"</a:t>
-            </a:r>
-            <a:r>
-              <a:rPr lang="en-GB" sz="1400" dirty="0">
-                <a:latin typeface="Courier New" panose="02070309020205020404" pitchFamily="49" charset="0"/>
-                <a:cs typeface="Courier New" panose="02070309020205020404" pitchFamily="49" charset="0"/>
-              </a:rPr>
-              <a:t>&gt;</a:t>
-            </a:r>
-          </a:p>
-          <a:p>
-            <a:r>
-              <a:rPr lang="en-GB" sz="1400" dirty="0" smtClean="0">
-                <a:latin typeface="Courier New" panose="02070309020205020404" pitchFamily="49" charset="0"/>
-                <a:cs typeface="Courier New" panose="02070309020205020404" pitchFamily="49" charset="0"/>
-              </a:rPr>
-              <a:t>    </a:t>
-            </a:r>
-            <a:r>
-              <a:rPr lang="en-GB" sz="1400" b="1" dirty="0" smtClean="0">
-                <a:latin typeface="Courier New" panose="02070309020205020404" pitchFamily="49" charset="0"/>
-                <a:cs typeface="Courier New" panose="02070309020205020404" pitchFamily="49" charset="0"/>
-              </a:rPr>
-              <a:t>{{</a:t>
-            </a:r>
-            <a:r>
-              <a:rPr lang="en-GB" sz="1400" b="1" dirty="0">
-                <a:latin typeface="Courier New" panose="02070309020205020404" pitchFamily="49" charset="0"/>
-                <a:cs typeface="Courier New" panose="02070309020205020404" pitchFamily="49" charset="0"/>
-              </a:rPr>
-              <a:t>weather}}</a:t>
-            </a:r>
-          </a:p>
-          <a:p>
-            <a:r>
-              <a:rPr lang="en-GB" sz="1400" dirty="0" smtClean="0">
-                <a:latin typeface="Courier New" panose="02070309020205020404" pitchFamily="49" charset="0"/>
-                <a:cs typeface="Courier New" panose="02070309020205020404" pitchFamily="49" charset="0"/>
-              </a:rPr>
-              <a:t>  &lt;/</a:t>
-            </a:r>
-            <a:r>
-              <a:rPr lang="en-GB" sz="1400" dirty="0">
-                <a:latin typeface="Courier New" panose="02070309020205020404" pitchFamily="49" charset="0"/>
-                <a:cs typeface="Courier New" panose="02070309020205020404" pitchFamily="49" charset="0"/>
-              </a:rPr>
-              <a:t>div&gt;</a:t>
-            </a:r>
-          </a:p>
-          <a:p>
-            <a:r>
-              <a:rPr lang="en-GB" sz="1400" dirty="0" smtClean="0">
-                <a:latin typeface="Courier New" panose="02070309020205020404" pitchFamily="49" charset="0"/>
-                <a:cs typeface="Courier New" panose="02070309020205020404" pitchFamily="49" charset="0"/>
-              </a:rPr>
-              <a:t>&lt;/</a:t>
-            </a:r>
-            <a:r>
-              <a:rPr lang="en-GB" sz="1400" dirty="0">
-                <a:latin typeface="Courier New" panose="02070309020205020404" pitchFamily="49" charset="0"/>
-                <a:cs typeface="Courier New" panose="02070309020205020404" pitchFamily="49" charset="0"/>
-              </a:rPr>
-              <a:t>body</a:t>
-            </a:r>
-            <a:r>
-              <a:rPr lang="en-GB" sz="1400" dirty="0" smtClean="0">
-                <a:latin typeface="Courier New" panose="02070309020205020404" pitchFamily="49" charset="0"/>
-                <a:cs typeface="Courier New" panose="02070309020205020404" pitchFamily="49" charset="0"/>
-              </a:rPr>
-              <a:t>&gt;</a:t>
-            </a:r>
-            <a:endParaRPr lang="sr-Latn-RS" sz="1400" dirty="0" smtClean="0">
-              <a:latin typeface="Courier New" panose="02070309020205020404" pitchFamily="49" charset="0"/>
-              <a:cs typeface="Courier New" panose="02070309020205020404" pitchFamily="49" charset="0"/>
-            </a:endParaRPr>
-          </a:p>
-          <a:p>
-            <a:r>
-              <a:rPr lang="sr-Latn-RS" sz="1400" dirty="0" smtClean="0">
-                <a:latin typeface="Courier New" panose="02070309020205020404" pitchFamily="49" charset="0"/>
-                <a:cs typeface="Courier New" panose="02070309020205020404" pitchFamily="49" charset="0"/>
-              </a:rPr>
-              <a:t>...</a:t>
-            </a:r>
-            <a:endParaRPr lang="en-GB" sz="1400" dirty="0">
-              <a:latin typeface="Courier New" panose="02070309020205020404" pitchFamily="49" charset="0"/>
-              <a:cs typeface="Courier New" panose="02070309020205020404" pitchFamily="49" charset="0"/>
-            </a:endParaRPr>
-          </a:p>
-        </p:txBody>
-      </p:sp>
-      <p:sp>
-        <p:nvSpPr>
-          <p:cNvPr id="6" name="TextBox 5"/>
-          <p:cNvSpPr txBox="1"/>
-          <p:nvPr/>
-        </p:nvSpPr>
-        <p:spPr>
-          <a:xfrm>
-            <a:off x="7524328" y="5589240"/>
-            <a:ext cx="1053494" cy="369332"/>
-          </a:xfrm>
-          <a:prstGeom prst="rect">
-            <a:avLst/>
-          </a:prstGeom>
-          <a:noFill/>
-        </p:spPr>
-        <p:txBody>
-          <a:bodyPr wrap="none" rtlCol="0">
-            <a:spAutoFit/>
-          </a:bodyPr>
-          <a:lstStyle/>
-          <a:p>
+              <a:t>Kontroler </a:t>
+            </a:r>
+            <a:r>
+              <a:rPr lang="sr-Latn-RS" b="1" dirty="0" smtClean="0"/>
+              <a:t>nikada</a:t>
+            </a:r>
             <a:r>
               <a:rPr lang="sr-Latn-RS" dirty="0" smtClean="0"/>
-              <a:t>primer02</a:t>
+              <a:t> ne manipuliše HTML-om (view)</a:t>
+            </a:r>
+          </a:p>
+          <a:p>
+            <a:r>
+              <a:rPr lang="sr-Latn-RS" dirty="0" smtClean="0"/>
+              <a:t>Manipuliše </a:t>
+            </a:r>
+            <a:r>
+              <a:rPr lang="sr-Latn-RS" b="1" dirty="0" smtClean="0"/>
+              <a:t>modelom </a:t>
+            </a:r>
+            <a:r>
+              <a:rPr lang="sr-Latn-RS" dirty="0" smtClean="0"/>
+              <a:t>(kroz $scope) koji se vezuje za HTML</a:t>
+            </a:r>
+          </a:p>
+          <a:p>
+            <a:r>
+              <a:rPr lang="sr-Latn-RS" dirty="0" smtClean="0"/>
+              <a:t>Koja je razlika u odnosu na jQuery?</a:t>
             </a:r>
           </a:p>
         </p:txBody>
@@ -11569,7 +12135,7 @@
     </p:spTree>
     <p:extLst>
       <p:ext uri="{BB962C8B-B14F-4D97-AF65-F5344CB8AC3E}">
-        <p14:creationId xmlns:p14="http://schemas.microsoft.com/office/powerpoint/2010/main" val="219829858"/>
+        <p14:creationId xmlns:p14="http://schemas.microsoft.com/office/powerpoint/2010/main" val="2950273747"/>
       </p:ext>
     </p:extLst>
   </p:cSld>
